--- a/cdc_git_ws5.pptx
+++ b/cdc_git_ws5.pptx
@@ -5,19 +5,22 @@
     <p:sldMasterId id="2147483648" r:id="rId4"/>
   </p:sldMasterIdLst>
   <p:notesMasterIdLst>
-    <p:notesMasterId r:id="rId15"/>
+    <p:notesMasterId r:id="rId18"/>
   </p:notesMasterIdLst>
   <p:sldIdLst>
     <p:sldId id="256" r:id="rId5"/>
     <p:sldId id="299" r:id="rId6"/>
     <p:sldId id="295" r:id="rId7"/>
     <p:sldId id="300" r:id="rId8"/>
-    <p:sldId id="301" r:id="rId9"/>
-    <p:sldId id="302" r:id="rId10"/>
-    <p:sldId id="306" r:id="rId11"/>
-    <p:sldId id="305" r:id="rId12"/>
-    <p:sldId id="303" r:id="rId13"/>
-    <p:sldId id="308" r:id="rId14"/>
+    <p:sldId id="309" r:id="rId9"/>
+    <p:sldId id="310" r:id="rId10"/>
+    <p:sldId id="301" r:id="rId11"/>
+    <p:sldId id="302" r:id="rId12"/>
+    <p:sldId id="306" r:id="rId13"/>
+    <p:sldId id="305" r:id="rId14"/>
+    <p:sldId id="303" r:id="rId15"/>
+    <p:sldId id="308" r:id="rId16"/>
+    <p:sldId id="311" r:id="rId17"/>
   </p:sldIdLst>
   <p:sldSz cx="6858000" cy="5143500"/>
   <p:notesSz cx="6858000" cy="9144000"/>
@@ -243,7 +246,7 @@
           <a:p>
             <a:fld id="{88EB923B-AC8F-4B84-A8E4-8B1F68B80157}" type="datetimeFigureOut">
               <a:rPr lang="en-US" smtClean="0"/>
-              <a:t>26-Jan-17</a:t>
+              <a:t>30-Jan-17</a:t>
             </a:fld>
             <a:endParaRPr lang="en-US"/>
           </a:p>
@@ -840,7 +843,7 @@
           <a:p>
             <a:fld id="{7959948B-77FA-4B75-B65F-C5051F11C89F}" type="slidenum">
               <a:rPr lang="en-US" smtClean="0"/>
-              <a:t>5</a:t>
+              <a:t>7</a:t>
             </a:fld>
             <a:endParaRPr lang="en-US"/>
           </a:p>
@@ -947,7 +950,7 @@
           <a:p>
             <a:fld id="{7959948B-77FA-4B75-B65F-C5051F11C89F}" type="slidenum">
               <a:rPr lang="en-US" smtClean="0"/>
-              <a:t>6</a:t>
+              <a:t>8</a:t>
             </a:fld>
             <a:endParaRPr lang="en-US"/>
           </a:p>
@@ -1077,7 +1080,7 @@
           <a:p>
             <a:fld id="{7959948B-77FA-4B75-B65F-C5051F11C89F}" type="slidenum">
               <a:rPr lang="en-US" smtClean="0"/>
-              <a:t>7</a:t>
+              <a:t>9</a:t>
             </a:fld>
             <a:endParaRPr lang="en-US"/>
           </a:p>
@@ -1184,7 +1187,7 @@
           <a:p>
             <a:fld id="{7959948B-77FA-4B75-B65F-C5051F11C89F}" type="slidenum">
               <a:rPr lang="en-US" smtClean="0"/>
-              <a:t>8</a:t>
+              <a:t>10</a:t>
             </a:fld>
             <a:endParaRPr lang="en-US"/>
           </a:p>
@@ -1425,7 +1428,7 @@
           <a:p>
             <a:fld id="{0C0B920D-9F26-4AE8-900D-2A69C73BB646}" type="datetimeFigureOut">
               <a:rPr lang="en-US" smtClean="0"/>
-              <a:t>26-Jan-17</a:t>
+              <a:t>30-Jan-17</a:t>
             </a:fld>
             <a:endParaRPr lang="en-US"/>
           </a:p>
@@ -1679,7 +1682,7 @@
           <a:p>
             <a:fld id="{0C0B920D-9F26-4AE8-900D-2A69C73BB646}" type="datetimeFigureOut">
               <a:rPr lang="en-US" smtClean="0"/>
-              <a:t>26-Jan-17</a:t>
+              <a:t>30-Jan-17</a:t>
             </a:fld>
             <a:endParaRPr lang="en-US"/>
           </a:p>
@@ -1917,7 +1920,7 @@
           <a:p>
             <a:fld id="{0C0B920D-9F26-4AE8-900D-2A69C73BB646}" type="datetimeFigureOut">
               <a:rPr lang="en-US" smtClean="0"/>
-              <a:t>26-Jan-17</a:t>
+              <a:t>30-Jan-17</a:t>
             </a:fld>
             <a:endParaRPr lang="en-US"/>
           </a:p>
@@ -2238,7 +2241,7 @@
           <a:p>
             <a:fld id="{0C0B920D-9F26-4AE8-900D-2A69C73BB646}" type="datetimeFigureOut">
               <a:rPr lang="en-US" smtClean="0"/>
-              <a:t>26-Jan-17</a:t>
+              <a:t>30-Jan-17</a:t>
             </a:fld>
             <a:endParaRPr lang="en-US"/>
           </a:p>
@@ -2504,7 +2507,7 @@
           <a:p>
             <a:fld id="{0C0B920D-9F26-4AE8-900D-2A69C73BB646}" type="datetimeFigureOut">
               <a:rPr lang="en-US" smtClean="0"/>
-              <a:t>26-Jan-17</a:t>
+              <a:t>30-Jan-17</a:t>
             </a:fld>
             <a:endParaRPr lang="en-US"/>
           </a:p>
@@ -2783,7 +2786,7 @@
           <a:p>
             <a:fld id="{0C0B920D-9F26-4AE8-900D-2A69C73BB646}" type="datetimeFigureOut">
               <a:rPr lang="en-US" smtClean="0"/>
-              <a:t>26-Jan-17</a:t>
+              <a:t>30-Jan-17</a:t>
             </a:fld>
             <a:endParaRPr lang="en-US"/>
           </a:p>
@@ -3366,6 +3369,172 @@
         </p:nvSpPr>
         <p:spPr>
           <a:xfrm>
+            <a:off x="260648" y="267494"/>
+            <a:ext cx="4114800" cy="425054"/>
+          </a:xfrm>
+        </p:spPr>
+        <p:txBody>
+          <a:bodyPr/>
+          <a:lstStyle/>
+          <a:p>
+            <a:r>
+              <a:rPr lang="en-US" dirty="0" smtClean="0"/>
+              <a:t>Create Deployment Group</a:t>
+            </a:r>
+            <a:endParaRPr lang="en-US" dirty="0"/>
+          </a:p>
+        </p:txBody>
+      </p:sp>
+      <p:pic>
+        <p:nvPicPr>
+          <p:cNvPr id="5" name="Picture 4"/>
+          <p:cNvPicPr>
+            <a:picLocks noChangeAspect="1"/>
+          </p:cNvPicPr>
+          <p:nvPr/>
+        </p:nvPicPr>
+        <p:blipFill>
+          <a:blip r:embed="rId3"/>
+          <a:stretch>
+            <a:fillRect/>
+          </a:stretch>
+        </p:blipFill>
+        <p:spPr>
+          <a:xfrm>
+            <a:off x="272345" y="896910"/>
+            <a:ext cx="5676935" cy="3696609"/>
+          </a:xfrm>
+          <a:prstGeom prst="rect">
+            <a:avLst/>
+          </a:prstGeom>
+        </p:spPr>
+      </p:pic>
+      <p:sp>
+        <p:nvSpPr>
+          <p:cNvPr id="6" name="TextBox 5"/>
+          <p:cNvSpPr txBox="1"/>
+          <p:nvPr/>
+        </p:nvSpPr>
+        <p:spPr>
+          <a:xfrm>
+            <a:off x="4077072" y="4209667"/>
+            <a:ext cx="1995803" cy="276999"/>
+          </a:xfrm>
+          <a:prstGeom prst="rect">
+            <a:avLst/>
+          </a:prstGeom>
+          <a:noFill/>
+        </p:spPr>
+        <p:txBody>
+          <a:bodyPr wrap="none" rtlCol="0">
+            <a:spAutoFit/>
+          </a:bodyPr>
+          <a:lstStyle/>
+          <a:p>
+            <a:r>
+              <a:rPr lang="en-US" sz="1200" dirty="0" smtClean="0">
+                <a:solidFill>
+                  <a:schemeClr val="tx2">
+                    <a:lumMod val="75000"/>
+                  </a:schemeClr>
+                </a:solidFill>
+              </a:rPr>
+              <a:t>IAM Role that created before</a:t>
+            </a:r>
+            <a:endParaRPr lang="en-US" sz="1200" dirty="0">
+              <a:solidFill>
+                <a:schemeClr val="tx2">
+                  <a:lumMod val="75000"/>
+                </a:schemeClr>
+              </a:solidFill>
+            </a:endParaRPr>
+          </a:p>
+        </p:txBody>
+      </p:sp>
+      <p:sp>
+        <p:nvSpPr>
+          <p:cNvPr id="7" name="TextBox 6"/>
+          <p:cNvSpPr txBox="1"/>
+          <p:nvPr/>
+        </p:nvSpPr>
+        <p:spPr>
+          <a:xfrm>
+            <a:off x="3789040" y="1563638"/>
+            <a:ext cx="2336537" cy="276999"/>
+          </a:xfrm>
+          <a:prstGeom prst="rect">
+            <a:avLst/>
+          </a:prstGeom>
+          <a:noFill/>
+        </p:spPr>
+        <p:txBody>
+          <a:bodyPr wrap="none" rtlCol="0">
+            <a:spAutoFit/>
+          </a:bodyPr>
+          <a:lstStyle/>
+          <a:p>
+            <a:r>
+              <a:rPr lang="en-US" sz="1200" dirty="0" smtClean="0">
+                <a:solidFill>
+                  <a:schemeClr val="tx2">
+                    <a:lumMod val="75000"/>
+                  </a:schemeClr>
+                </a:solidFill>
+              </a:rPr>
+              <a:t>Instance that will be deployed into</a:t>
+            </a:r>
+            <a:endParaRPr lang="en-US" sz="1200" dirty="0">
+              <a:solidFill>
+                <a:schemeClr val="tx2">
+                  <a:lumMod val="75000"/>
+                </a:schemeClr>
+              </a:solidFill>
+            </a:endParaRPr>
+          </a:p>
+        </p:txBody>
+      </p:sp>
+    </p:spTree>
+    <p:extLst>
+      <p:ext uri="{BB962C8B-B14F-4D97-AF65-F5344CB8AC3E}">
+        <p14:creationId xmlns:p14="http://schemas.microsoft.com/office/powerpoint/2010/main" val="614904575"/>
+      </p:ext>
+    </p:extLst>
+  </p:cSld>
+  <p:clrMapOvr>
+    <a:masterClrMapping/>
+  </p:clrMapOvr>
+</p:sld>
+</file>
+
+<file path=ppt/slides/slide11.xml><?xml version="1.0" encoding="utf-8"?>
+<p:sld xmlns:a="http://schemas.openxmlformats.org/drawingml/2006/main" xmlns:r="http://schemas.openxmlformats.org/officeDocument/2006/relationships" xmlns:p="http://schemas.openxmlformats.org/presentationml/2006/main">
+  <p:cSld>
+    <p:spTree>
+      <p:nvGrpSpPr>
+        <p:cNvPr id="1" name=""/>
+        <p:cNvGrpSpPr/>
+        <p:nvPr/>
+      </p:nvGrpSpPr>
+      <p:grpSpPr>
+        <a:xfrm>
+          <a:off x="0" y="0"/>
+          <a:ext cx="0" cy="0"/>
+          <a:chOff x="0" y="0"/>
+          <a:chExt cx="0" cy="0"/>
+        </a:xfrm>
+      </p:grpSpPr>
+      <p:sp>
+        <p:nvSpPr>
+          <p:cNvPr id="2" name="Title 1"/>
+          <p:cNvSpPr>
+            <a:spLocks noGrp="1"/>
+          </p:cNvSpPr>
+          <p:nvPr>
+            <p:ph type="title"/>
+          </p:nvPr>
+        </p:nvSpPr>
+        <p:spPr>
+          <a:xfrm>
             <a:off x="188640" y="195486"/>
             <a:ext cx="4114800" cy="425054"/>
           </a:xfrm>
@@ -3393,7 +3562,7 @@
         <p:spPr>
           <a:xfrm>
             <a:off x="260648" y="915566"/>
-            <a:ext cx="6264696" cy="2862322"/>
+            <a:ext cx="6264696" cy="3416320"/>
           </a:xfrm>
           <a:prstGeom prst="rect">
             <a:avLst/>
@@ -3412,7 +3581,7 @@
             </a:pPr>
             <a:r>
               <a:rPr lang="en-US" dirty="0" smtClean="0"/>
-              <a:t>Or you can create your own deployment command</a:t>
+              <a:t>Push to S3</a:t>
             </a:r>
             <a:r>
               <a:rPr lang="en-US" dirty="0"/>
@@ -3422,6 +3591,10 @@
               <a:rPr lang="en-US" dirty="0"/>
             </a:br>
             <a:r>
+              <a:rPr lang="en-US" dirty="0" smtClean="0"/>
+              <a:t>“</a:t>
+            </a:r>
+            <a:r>
               <a:rPr lang="en-US" dirty="0" err="1" smtClean="0"/>
               <a:t>aws</a:t>
             </a:r>
@@ -3431,72 +3604,259 @@
             </a:r>
             <a:r>
               <a:rPr lang="en-US" dirty="0"/>
-              <a:t>deploy create-deployment </a:t>
+              <a:t>deploy push </a:t>
+            </a:r>
+            <a:r>
+              <a:rPr lang="en-US" dirty="0" smtClean="0"/>
+              <a:t/>
+            </a:r>
+            <a:br>
+              <a:rPr lang="en-US" dirty="0" smtClean="0"/>
+            </a:br>
+            <a:r>
+              <a:rPr lang="en-US" dirty="0" smtClean="0"/>
+              <a:t>--</a:t>
+            </a:r>
+            <a:r>
+              <a:rPr lang="en-US" dirty="0"/>
+              <a:t>application-name ${</a:t>
+            </a:r>
+            <a:r>
+              <a:rPr lang="en-US" dirty="0" err="1"/>
+              <a:t>applicationName</a:t>
+            </a:r>
+            <a:r>
+              <a:rPr lang="en-US" dirty="0"/>
+              <a:t>} </a:t>
+            </a:r>
+            <a:r>
+              <a:rPr lang="en-US" dirty="0" smtClean="0"/>
+              <a:t/>
+            </a:r>
+            <a:br>
+              <a:rPr lang="en-US" dirty="0" smtClean="0"/>
+            </a:br>
+            <a:r>
+              <a:rPr lang="en-US" dirty="0" smtClean="0"/>
+              <a:t>--</a:t>
+            </a:r>
+            <a:r>
+              <a:rPr lang="en-US" dirty="0"/>
+              <a:t>description '${description}' </a:t>
+            </a:r>
+            <a:r>
+              <a:rPr lang="en-US" dirty="0" smtClean="0"/>
+              <a:t/>
+            </a:r>
+            <a:br>
+              <a:rPr lang="en-US" dirty="0" smtClean="0"/>
+            </a:br>
+            <a:r>
+              <a:rPr lang="en-US" dirty="0" smtClean="0"/>
+              <a:t>--</a:t>
+            </a:r>
+            <a:r>
+              <a:rPr lang="en-US" dirty="0"/>
+              <a:t>ignore-hidden-files </a:t>
+            </a:r>
+            <a:r>
+              <a:rPr lang="en-US" dirty="0" smtClean="0"/>
+              <a:t/>
+            </a:r>
+            <a:br>
+              <a:rPr lang="en-US" dirty="0" smtClean="0"/>
+            </a:br>
+            <a:r>
+              <a:rPr lang="en-US" dirty="0" smtClean="0"/>
+              <a:t>--</a:t>
+            </a:r>
+            <a:r>
+              <a:rPr lang="en-US" dirty="0"/>
+              <a:t>s3-location s3</a:t>
+            </a:r>
+            <a:r>
+              <a:rPr lang="en-US" dirty="0" smtClean="0"/>
+              <a:t>://${yourS3location} </a:t>
+            </a:r>
+            <a:br>
+              <a:rPr lang="en-US" dirty="0" smtClean="0"/>
+            </a:br>
+            <a:r>
+              <a:rPr lang="en-US" dirty="0" smtClean="0"/>
+              <a:t>--</a:t>
+            </a:r>
+            <a:r>
+              <a:rPr lang="en-US" dirty="0"/>
+              <a:t>source </a:t>
+            </a:r>
+            <a:r>
+              <a:rPr lang="en-US" dirty="0" smtClean="0"/>
+              <a:t>${</a:t>
+            </a:r>
+            <a:r>
+              <a:rPr lang="en-US" dirty="0" err="1" smtClean="0"/>
+              <a:t>yourdeployable</a:t>
+            </a:r>
+            <a:r>
+              <a:rPr lang="en-US" dirty="0" smtClean="0"/>
+              <a:t> content} </a:t>
+            </a:r>
+            <a:r>
+              <a:rPr lang="en-US" dirty="0"/>
+              <a:t>&gt; .</a:t>
+            </a:r>
+            <a:r>
+              <a:rPr lang="en-US" dirty="0" err="1" smtClean="0"/>
+              <a:t>deployment_command</a:t>
+            </a:r>
+            <a:r>
+              <a:rPr lang="en-US" dirty="0" smtClean="0"/>
+              <a:t>”</a:t>
+            </a:r>
+          </a:p>
+          <a:p>
+            <a:pPr marL="285750" indent="-285750">
+              <a:buFont typeface="Arial" panose="020B0604020202020204" pitchFamily="34" charset="0"/>
+              <a:buChar char="•"/>
+            </a:pPr>
+            <a:endParaRPr lang="en-US" dirty="0"/>
+          </a:p>
+          <a:p>
+            <a:pPr marL="285750" indent="-285750">
+              <a:buFont typeface="Arial" panose="020B0604020202020204" pitchFamily="34" charset="0"/>
+              <a:buChar char="•"/>
+            </a:pPr>
+            <a:r>
+              <a:rPr lang="en-US" dirty="0" smtClean="0"/>
+              <a:t>You will get the deployment command in file ‘.</a:t>
+            </a:r>
+            <a:r>
+              <a:rPr lang="en-US" dirty="0" err="1" smtClean="0"/>
+              <a:t>deployment_command</a:t>
+            </a:r>
+            <a:r>
+              <a:rPr lang="en-US" dirty="0" smtClean="0"/>
+              <a:t>’</a:t>
+            </a:r>
+            <a:br>
+              <a:rPr lang="en-US" dirty="0" smtClean="0"/>
+            </a:br>
+            <a:endParaRPr lang="en-US" dirty="0"/>
+          </a:p>
+        </p:txBody>
+      </p:sp>
+    </p:spTree>
+    <p:extLst>
+      <p:ext uri="{BB962C8B-B14F-4D97-AF65-F5344CB8AC3E}">
+        <p14:creationId xmlns:p14="http://schemas.microsoft.com/office/powerpoint/2010/main" val="3002689209"/>
+      </p:ext>
+    </p:extLst>
+  </p:cSld>
+  <p:clrMapOvr>
+    <a:masterClrMapping/>
+  </p:clrMapOvr>
+</p:sld>
+</file>
+
+<file path=ppt/slides/slide12.xml><?xml version="1.0" encoding="utf-8"?>
+<p:sld xmlns:a="http://schemas.openxmlformats.org/drawingml/2006/main" xmlns:r="http://schemas.openxmlformats.org/officeDocument/2006/relationships" xmlns:p="http://schemas.openxmlformats.org/presentationml/2006/main">
+  <p:cSld>
+    <p:spTree>
+      <p:nvGrpSpPr>
+        <p:cNvPr id="1" name=""/>
+        <p:cNvGrpSpPr/>
+        <p:nvPr/>
+      </p:nvGrpSpPr>
+      <p:grpSpPr>
+        <a:xfrm>
+          <a:off x="0" y="0"/>
+          <a:ext cx="0" cy="0"/>
+          <a:chOff x="0" y="0"/>
+          <a:chExt cx="0" cy="0"/>
+        </a:xfrm>
+      </p:grpSpPr>
+      <p:sp>
+        <p:nvSpPr>
+          <p:cNvPr id="2" name="Title 1"/>
+          <p:cNvSpPr>
+            <a:spLocks noGrp="1"/>
+          </p:cNvSpPr>
+          <p:nvPr>
+            <p:ph type="title"/>
+          </p:nvPr>
+        </p:nvSpPr>
+        <p:spPr>
+          <a:xfrm>
+            <a:off x="188640" y="195486"/>
+            <a:ext cx="4114800" cy="425054"/>
+          </a:xfrm>
+        </p:spPr>
+        <p:txBody>
+          <a:bodyPr>
+            <a:normAutofit/>
+          </a:bodyPr>
+          <a:lstStyle/>
+          <a:p>
+            <a:r>
+              <a:rPr lang="en-US" dirty="0" err="1" smtClean="0"/>
+              <a:t>Jenkinsfile</a:t>
+            </a:r>
+            <a:endParaRPr lang="en-US" dirty="0"/>
+          </a:p>
+        </p:txBody>
+      </p:sp>
+      <p:sp>
+        <p:nvSpPr>
+          <p:cNvPr id="6" name="TextBox 5"/>
+          <p:cNvSpPr txBox="1"/>
+          <p:nvPr/>
+        </p:nvSpPr>
+        <p:spPr>
+          <a:xfrm>
+            <a:off x="260648" y="915566"/>
+            <a:ext cx="6264696" cy="2862322"/>
+          </a:xfrm>
+          <a:prstGeom prst="rect">
+            <a:avLst/>
+          </a:prstGeom>
+          <a:noFill/>
+        </p:spPr>
+        <p:txBody>
+          <a:bodyPr wrap="square" rtlCol="0">
+            <a:spAutoFit/>
+          </a:bodyPr>
+          <a:lstStyle/>
+          <a:p>
+            <a:pPr marL="285750" indent="-285750">
+              <a:buFont typeface="Arial" panose="020B0604020202020204" pitchFamily="34" charset="0"/>
+              <a:buChar char="•"/>
+            </a:pPr>
+            <a:r>
+              <a:rPr lang="en-US" dirty="0" smtClean="0"/>
+              <a:t>Or you can create your own deployment command</a:t>
+            </a:r>
+            <a:r>
+              <a:rPr lang="en-US" dirty="0"/>
+              <a:t/>
             </a:r>
             <a:br>
               <a:rPr lang="en-US" dirty="0"/>
             </a:br>
             <a:r>
               <a:rPr lang="en-US" dirty="0" smtClean="0"/>
-              <a:t>--</a:t>
+              <a:t>“</a:t>
+            </a:r>
+            <a:r>
+              <a:rPr lang="en-US" dirty="0" err="1" smtClean="0"/>
+              <a:t>aws</a:t>
+            </a:r>
+            <a:r>
+              <a:rPr lang="en-US" dirty="0" smtClean="0"/>
+              <a:t> </a:t>
             </a:r>
             <a:r>
               <a:rPr lang="en-US" dirty="0"/>
-              <a:t>application-name </a:t>
-            </a:r>
-            <a:r>
-              <a:rPr lang="en-US" dirty="0" smtClean="0"/>
-              <a:t>CDC-deploy </a:t>
-            </a:r>
-            <a:br>
-              <a:rPr lang="en-US" dirty="0" smtClean="0"/>
-            </a:br>
-            <a:r>
-              <a:rPr lang="en-US" dirty="0" smtClean="0"/>
-              <a:t>--</a:t>
-            </a:r>
-            <a:r>
-              <a:rPr lang="en-US" dirty="0"/>
-              <a:t>s3-location </a:t>
-            </a:r>
-            <a:r>
-              <a:rPr lang="en-US" dirty="0" smtClean="0"/>
-              <a:t>bucket=deployment-</a:t>
-            </a:r>
-            <a:r>
-              <a:rPr lang="en-US" dirty="0" err="1" smtClean="0"/>
-              <a:t>cdc,key</a:t>
-            </a:r>
-            <a:r>
-              <a:rPr lang="en-US" dirty="0" smtClean="0"/>
-              <a:t>=</a:t>
-            </a:r>
-            <a:r>
-              <a:rPr lang="en-US" dirty="0" err="1" smtClean="0"/>
-              <a:t>langit.zip,bundleType</a:t>
-            </a:r>
-            <a:r>
-              <a:rPr lang="en-US" dirty="0" smtClean="0"/>
-              <a:t>=</a:t>
-            </a:r>
-            <a:r>
-              <a:rPr lang="en-US" dirty="0" err="1" smtClean="0"/>
-              <a:t>zip,eTag</a:t>
-            </a:r>
-            <a:r>
-              <a:rPr lang="en-US" dirty="0" smtClean="0"/>
-              <a:t>=db1f16bd84c48ab3952703cf4e86b291-16 </a:t>
-            </a:r>
-            <a:br>
-              <a:rPr lang="en-US" dirty="0" smtClean="0"/>
-            </a:br>
-            <a:r>
-              <a:rPr lang="en-US" dirty="0" smtClean="0"/>
-              <a:t>--</a:t>
-            </a:r>
-            <a:r>
-              <a:rPr lang="en-US" dirty="0"/>
-              <a:t>deployment-group-name &lt;deployment-group-name&gt; </a:t>
+              <a:t>deploy create-deployment </a:t>
             </a:r>
             <a:br>
               <a:rPr lang="en-US" dirty="0"/>
@@ -3507,6 +3867,71 @@
             </a:r>
             <a:r>
               <a:rPr lang="en-US" dirty="0"/>
+              <a:t>application-name </a:t>
+            </a:r>
+            <a:r>
+              <a:rPr lang="en-US" dirty="0" smtClean="0"/>
+              <a:t>CDC-deploy </a:t>
+            </a:r>
+            <a:br>
+              <a:rPr lang="en-US" dirty="0" smtClean="0"/>
+            </a:br>
+            <a:r>
+              <a:rPr lang="en-US" dirty="0" smtClean="0"/>
+              <a:t>--</a:t>
+            </a:r>
+            <a:r>
+              <a:rPr lang="en-US" dirty="0"/>
+              <a:t>s3-location </a:t>
+            </a:r>
+            <a:r>
+              <a:rPr lang="en-US" dirty="0" smtClean="0"/>
+              <a:t>bucket=deployment-</a:t>
+            </a:r>
+            <a:r>
+              <a:rPr lang="en-US" dirty="0" err="1" smtClean="0"/>
+              <a:t>cdc,key</a:t>
+            </a:r>
+            <a:r>
+              <a:rPr lang="en-US" dirty="0" smtClean="0"/>
+              <a:t>=</a:t>
+            </a:r>
+            <a:r>
+              <a:rPr lang="en-US" dirty="0" err="1" smtClean="0"/>
+              <a:t>langit.zip,bundleType</a:t>
+            </a:r>
+            <a:r>
+              <a:rPr lang="en-US" dirty="0" smtClean="0"/>
+              <a:t>=</a:t>
+            </a:r>
+            <a:r>
+              <a:rPr lang="en-US" dirty="0" err="1" smtClean="0"/>
+              <a:t>zip,eTag</a:t>
+            </a:r>
+            <a:r>
+              <a:rPr lang="en-US" dirty="0" smtClean="0"/>
+              <a:t>=db1f16bd84c48ab3952703cf4e86b291-16 </a:t>
+            </a:r>
+            <a:br>
+              <a:rPr lang="en-US" dirty="0" smtClean="0"/>
+            </a:br>
+            <a:r>
+              <a:rPr lang="en-US" dirty="0" smtClean="0"/>
+              <a:t>--</a:t>
+            </a:r>
+            <a:r>
+              <a:rPr lang="en-US" dirty="0"/>
+              <a:t>deployment-group-name &lt;deployment-group-name&gt; </a:t>
+            </a:r>
+            <a:br>
+              <a:rPr lang="en-US" dirty="0"/>
+            </a:br>
+            <a:r>
+              <a:rPr lang="en-US" dirty="0" smtClean="0"/>
+              <a:t>--</a:t>
+            </a:r>
+            <a:r>
+              <a:rPr lang="en-US" dirty="0"/>
               <a:t>deployment-</a:t>
             </a:r>
             <a:r>
@@ -3538,11 +3963,11 @@
             </a:r>
             <a:r>
               <a:rPr lang="en-US" dirty="0"/>
-              <a:t>description &lt;description&gt;</a:t>
-            </a:r>
-            <a:r>
-              <a:rPr lang="en-US" dirty="0" smtClean="0"/>
-              <a:t/>
+              <a:t>description &lt;description</a:t>
+            </a:r>
+            <a:r>
+              <a:rPr lang="en-US" dirty="0" smtClean="0"/>
+              <a:t>&gt;”</a:t>
             </a:r>
             <a:br>
               <a:rPr lang="en-US" dirty="0" smtClean="0"/>
@@ -3555,6 +3980,410 @@
     <p:extLst>
       <p:ext uri="{BB962C8B-B14F-4D97-AF65-F5344CB8AC3E}">
         <p14:creationId xmlns:p14="http://schemas.microsoft.com/office/powerpoint/2010/main" val="1320079251"/>
+      </p:ext>
+    </p:extLst>
+  </p:cSld>
+  <p:clrMapOvr>
+    <a:masterClrMapping/>
+  </p:clrMapOvr>
+</p:sld>
+</file>
+
+<file path=ppt/slides/slide13.xml><?xml version="1.0" encoding="utf-8"?>
+<p:sld xmlns:a="http://schemas.openxmlformats.org/drawingml/2006/main" xmlns:r="http://schemas.openxmlformats.org/officeDocument/2006/relationships" xmlns:p="http://schemas.openxmlformats.org/presentationml/2006/main">
+  <p:cSld>
+    <p:spTree>
+      <p:nvGrpSpPr>
+        <p:cNvPr id="1" name=""/>
+        <p:cNvGrpSpPr/>
+        <p:nvPr/>
+      </p:nvGrpSpPr>
+      <p:grpSpPr>
+        <a:xfrm>
+          <a:off x="0" y="0"/>
+          <a:ext cx="0" cy="0"/>
+          <a:chOff x="0" y="0"/>
+          <a:chExt cx="0" cy="0"/>
+        </a:xfrm>
+      </p:grpSpPr>
+      <p:sp>
+        <p:nvSpPr>
+          <p:cNvPr id="5" name="TextBox 4"/>
+          <p:cNvSpPr txBox="1"/>
+          <p:nvPr/>
+        </p:nvSpPr>
+        <p:spPr>
+          <a:xfrm>
+            <a:off x="692696" y="1203598"/>
+            <a:ext cx="184731" cy="369332"/>
+          </a:xfrm>
+          <a:prstGeom prst="rect">
+            <a:avLst/>
+          </a:prstGeom>
+          <a:noFill/>
+        </p:spPr>
+        <p:txBody>
+          <a:bodyPr wrap="none" rtlCol="0">
+            <a:spAutoFit/>
+          </a:bodyPr>
+          <a:lstStyle/>
+          <a:p>
+            <a:endParaRPr lang="en-US" dirty="0"/>
+          </a:p>
+        </p:txBody>
+      </p:sp>
+      <p:sp>
+        <p:nvSpPr>
+          <p:cNvPr id="6" name="TextBox 5"/>
+          <p:cNvSpPr txBox="1"/>
+          <p:nvPr/>
+        </p:nvSpPr>
+        <p:spPr>
+          <a:xfrm>
+            <a:off x="188640" y="843558"/>
+            <a:ext cx="6480720" cy="3046988"/>
+          </a:xfrm>
+          <a:prstGeom prst="rect">
+            <a:avLst/>
+          </a:prstGeom>
+          <a:noFill/>
+        </p:spPr>
+        <p:txBody>
+          <a:bodyPr wrap="square" rtlCol="0">
+            <a:spAutoFit/>
+          </a:bodyPr>
+          <a:lstStyle/>
+          <a:p>
+            <a:r>
+              <a:rPr lang="en-US" sz="1200" dirty="0" err="1"/>
+              <a:t>def</a:t>
+            </a:r>
+            <a:r>
+              <a:rPr lang="en-US" sz="1200" dirty="0"/>
+              <a:t> deployRevisionToS3(String key, String </a:t>
+            </a:r>
+            <a:r>
+              <a:rPr lang="en-US" sz="1200" dirty="0" err="1"/>
+              <a:t>applicationName</a:t>
+            </a:r>
+            <a:r>
+              <a:rPr lang="en-US" sz="1200" dirty="0"/>
+              <a:t>) {</a:t>
+            </a:r>
+          </a:p>
+          <a:p>
+            <a:r>
+              <a:rPr lang="en-US" sz="1200" dirty="0"/>
+              <a:t> </a:t>
+            </a:r>
+            <a:r>
+              <a:rPr lang="en-US" sz="1200" dirty="0" smtClean="0"/>
+              <a:t>   </a:t>
+            </a:r>
+            <a:r>
+              <a:rPr lang="en-US" sz="1200" dirty="0" err="1" smtClean="0"/>
+              <a:t>def</a:t>
+            </a:r>
+            <a:r>
+              <a:rPr lang="en-US" sz="1200" dirty="0" smtClean="0"/>
+              <a:t> </a:t>
+            </a:r>
+            <a:r>
+              <a:rPr lang="en-US" sz="1200" dirty="0"/>
+              <a:t>description = "web application deployment"</a:t>
+            </a:r>
+          </a:p>
+          <a:p>
+            <a:r>
+              <a:rPr lang="en-US" sz="1200" dirty="0"/>
+              <a:t>    </a:t>
+            </a:r>
+            <a:r>
+              <a:rPr lang="en-US" sz="1200" dirty="0" err="1"/>
+              <a:t>sh</a:t>
+            </a:r>
+            <a:r>
+              <a:rPr lang="en-US" sz="1200" dirty="0"/>
+              <a:t>("</a:t>
+            </a:r>
+            <a:r>
+              <a:rPr lang="en-US" sz="1200" dirty="0" err="1"/>
+              <a:t>aws</a:t>
+            </a:r>
+            <a:r>
+              <a:rPr lang="en-US" sz="1200" dirty="0"/>
+              <a:t> deploy push --application-name ${</a:t>
+            </a:r>
+            <a:r>
+              <a:rPr lang="en-US" sz="1200" dirty="0" err="1"/>
+              <a:t>applicationName</a:t>
+            </a:r>
+            <a:r>
+              <a:rPr lang="en-US" sz="1200" dirty="0"/>
+              <a:t>} --description '${description}' --ignore-hidden-files --s3-location s3://${codedeploy_s3_bucket}/${key} --source ${</a:t>
+            </a:r>
+            <a:r>
+              <a:rPr lang="en-US" sz="1200" dirty="0" err="1"/>
+              <a:t>codedeploy_source</a:t>
+            </a:r>
+            <a:r>
+              <a:rPr lang="en-US" sz="1200" dirty="0"/>
+              <a:t>} &gt; .</a:t>
+            </a:r>
+            <a:r>
+              <a:rPr lang="en-US" sz="1200" dirty="0" err="1"/>
+              <a:t>deployment_command</a:t>
+            </a:r>
+            <a:r>
+              <a:rPr lang="en-US" sz="1200" dirty="0"/>
+              <a:t> ")</a:t>
+            </a:r>
+          </a:p>
+          <a:p>
+            <a:r>
+              <a:rPr lang="en-US" sz="1200" dirty="0"/>
+              <a:t>    </a:t>
+            </a:r>
+            <a:r>
+              <a:rPr lang="en-US" sz="1200" dirty="0" err="1"/>
+              <a:t>sh</a:t>
+            </a:r>
+            <a:r>
+              <a:rPr lang="en-US" sz="1200" dirty="0"/>
+              <a:t>("cat .</a:t>
+            </a:r>
+            <a:r>
+              <a:rPr lang="en-US" sz="1200" dirty="0" err="1"/>
+              <a:t>deployment_command</a:t>
+            </a:r>
+            <a:r>
+              <a:rPr lang="en-US" sz="1200" dirty="0"/>
+              <a:t>")</a:t>
+            </a:r>
+          </a:p>
+          <a:p>
+            <a:r>
+              <a:rPr lang="en-US" sz="1200" dirty="0"/>
+              <a:t>}</a:t>
+            </a:r>
+          </a:p>
+          <a:p>
+            <a:endParaRPr lang="en-US" sz="1200" dirty="0"/>
+          </a:p>
+          <a:p>
+            <a:r>
+              <a:rPr lang="en-US" sz="1200" dirty="0" err="1"/>
+              <a:t>def</a:t>
+            </a:r>
+            <a:r>
+              <a:rPr lang="en-US" sz="1200" dirty="0"/>
+              <a:t> </a:t>
+            </a:r>
+            <a:r>
+              <a:rPr lang="en-US" sz="1200" dirty="0" err="1"/>
+              <a:t>deployToCodeDeploy</a:t>
+            </a:r>
+            <a:r>
+              <a:rPr lang="en-US" sz="1200" dirty="0"/>
+              <a:t>(String key) {</a:t>
+            </a:r>
+          </a:p>
+          <a:p>
+            <a:r>
+              <a:rPr lang="en-US" sz="1200" dirty="0" smtClean="0"/>
+              <a:t>    </a:t>
+            </a:r>
+            <a:r>
+              <a:rPr lang="en-US" sz="1200" dirty="0" err="1" smtClean="0"/>
+              <a:t>def</a:t>
+            </a:r>
+            <a:r>
+              <a:rPr lang="en-US" sz="1200" dirty="0" smtClean="0"/>
+              <a:t> </a:t>
+            </a:r>
+            <a:r>
+              <a:rPr lang="en-US" sz="1200" dirty="0"/>
+              <a:t>description = "'web application deployment v${key}'" </a:t>
+            </a:r>
+          </a:p>
+          <a:p>
+            <a:r>
+              <a:rPr lang="en-US" sz="1200" dirty="0"/>
+              <a:t>    </a:t>
+            </a:r>
+            <a:r>
+              <a:rPr lang="en-US" sz="1200" dirty="0" err="1"/>
+              <a:t>def</a:t>
+            </a:r>
+            <a:r>
+              <a:rPr lang="en-US" sz="1200" dirty="0"/>
+              <a:t> </a:t>
+            </a:r>
+            <a:r>
+              <a:rPr lang="en-US" sz="1200" dirty="0" err="1"/>
+              <a:t>cmd</a:t>
+            </a:r>
+            <a:r>
+              <a:rPr lang="en-US" sz="1200" dirty="0"/>
+              <a:t> = </a:t>
+            </a:r>
+            <a:r>
+              <a:rPr lang="en-US" sz="1200" dirty="0" err="1"/>
+              <a:t>getCodedeployCommand</a:t>
+            </a:r>
+            <a:r>
+              <a:rPr lang="en-US" sz="1200" dirty="0"/>
+              <a:t>()</a:t>
+            </a:r>
+          </a:p>
+          <a:p>
+            <a:r>
+              <a:rPr lang="en-US" sz="1200" dirty="0"/>
+              <a:t>    </a:t>
+            </a:r>
+            <a:r>
+              <a:rPr lang="en-US" sz="1200" dirty="0" err="1"/>
+              <a:t>cmd</a:t>
+            </a:r>
+            <a:r>
+              <a:rPr lang="en-US" sz="1200" dirty="0"/>
+              <a:t> = </a:t>
+            </a:r>
+            <a:r>
+              <a:rPr lang="en-US" sz="1200" dirty="0" err="1"/>
+              <a:t>cmd.replace</a:t>
+            </a:r>
+            <a:r>
+              <a:rPr lang="en-US" sz="1200" dirty="0"/>
+              <a:t>('&lt;deployment-group-name&gt;',</a:t>
+            </a:r>
+            <a:r>
+              <a:rPr lang="en-US" sz="1200" dirty="0" err="1"/>
+              <a:t>deployment_group</a:t>
+            </a:r>
+            <a:r>
+              <a:rPr lang="en-US" sz="1200" dirty="0"/>
+              <a:t>).replace('&lt;deployment-</a:t>
+            </a:r>
+            <a:r>
+              <a:rPr lang="en-US" sz="1200" dirty="0" err="1"/>
+              <a:t>config</a:t>
+            </a:r>
+            <a:r>
+              <a:rPr lang="en-US" sz="1200" dirty="0"/>
+              <a:t>-name&gt;','</a:t>
+            </a:r>
+            <a:r>
+              <a:rPr lang="en-US" sz="1200" dirty="0" err="1"/>
+              <a:t>CodeDeployDefault.OneAtATime</a:t>
+            </a:r>
+            <a:r>
+              <a:rPr lang="en-US" sz="1200" dirty="0"/>
+              <a:t>').replace('&lt;description&gt;', description)</a:t>
+            </a:r>
+          </a:p>
+          <a:p>
+            <a:r>
+              <a:rPr lang="en-US" sz="1200" dirty="0" smtClean="0"/>
+              <a:t>    </a:t>
+            </a:r>
+            <a:r>
+              <a:rPr lang="en-US" sz="1200" dirty="0" err="1" smtClean="0"/>
+              <a:t>sh</a:t>
+            </a:r>
+            <a:r>
+              <a:rPr lang="en-US" sz="1200" dirty="0"/>
+              <a:t>("</a:t>
+            </a:r>
+            <a:r>
+              <a:rPr lang="en-US" sz="1200" dirty="0" err="1"/>
+              <a:t>aws</a:t>
+            </a:r>
+            <a:r>
+              <a:rPr lang="en-US" sz="1200" dirty="0"/>
+              <a:t> ${</a:t>
+            </a:r>
+            <a:r>
+              <a:rPr lang="en-US" sz="1200" dirty="0" err="1"/>
+              <a:t>cmd</a:t>
+            </a:r>
+            <a:r>
+              <a:rPr lang="en-US" sz="1200" dirty="0"/>
+              <a:t>} &gt; .</a:t>
+            </a:r>
+            <a:r>
+              <a:rPr lang="en-US" sz="1200" dirty="0" err="1"/>
+              <a:t>deployment_id</a:t>
+            </a:r>
+            <a:r>
+              <a:rPr lang="en-US" sz="1200" dirty="0"/>
+              <a:t>")</a:t>
+            </a:r>
+          </a:p>
+          <a:p>
+            <a:r>
+              <a:rPr lang="en-US" sz="1200" dirty="0" smtClean="0"/>
+              <a:t>    </a:t>
+            </a:r>
+            <a:r>
+              <a:rPr lang="en-US" sz="1200" dirty="0" err="1" smtClean="0"/>
+              <a:t>sh</a:t>
+            </a:r>
+            <a:r>
+              <a:rPr lang="en-US" sz="1200" dirty="0"/>
+              <a:t>("cat .</a:t>
+            </a:r>
+            <a:r>
+              <a:rPr lang="en-US" sz="1200" dirty="0" err="1"/>
+              <a:t>deployment_id</a:t>
+            </a:r>
+            <a:r>
+              <a:rPr lang="en-US" sz="1200" dirty="0"/>
+              <a:t>")</a:t>
+            </a:r>
+          </a:p>
+          <a:p>
+            <a:r>
+              <a:rPr lang="en-US" sz="1200" dirty="0"/>
+              <a:t>}</a:t>
+            </a:r>
+          </a:p>
+        </p:txBody>
+      </p:sp>
+      <p:sp>
+        <p:nvSpPr>
+          <p:cNvPr id="7" name="Title 1"/>
+          <p:cNvSpPr>
+            <a:spLocks noGrp="1"/>
+          </p:cNvSpPr>
+          <p:nvPr>
+            <p:ph type="title"/>
+          </p:nvPr>
+        </p:nvSpPr>
+        <p:spPr>
+          <a:xfrm>
+            <a:off x="188640" y="195486"/>
+            <a:ext cx="4114800" cy="425054"/>
+          </a:xfrm>
+        </p:spPr>
+        <p:txBody>
+          <a:bodyPr>
+            <a:normAutofit/>
+          </a:bodyPr>
+          <a:lstStyle/>
+          <a:p>
+            <a:r>
+              <a:rPr lang="en-US" dirty="0" err="1" smtClean="0"/>
+              <a:t>Jenkinsfile</a:t>
+            </a:r>
+            <a:endParaRPr lang="en-US" dirty="0"/>
+          </a:p>
+        </p:txBody>
+      </p:sp>
+    </p:spTree>
+    <p:extLst>
+      <p:ext uri="{BB962C8B-B14F-4D97-AF65-F5344CB8AC3E}">
+        <p14:creationId xmlns:p14="http://schemas.microsoft.com/office/powerpoint/2010/main" val="2500865617"/>
       </p:ext>
     </p:extLst>
   </p:cSld>
@@ -3590,7 +4419,7 @@
         <p:spPr>
           <a:xfrm>
             <a:off x="322176" y="835137"/>
-            <a:ext cx="6192688" cy="1754326"/>
+            <a:ext cx="6192688" cy="2031325"/>
           </a:xfrm>
           <a:prstGeom prst="rect">
             <a:avLst/>
@@ -3603,6 +4432,14 @@
           </a:bodyPr>
           <a:lstStyle/>
           <a:p>
+            <a:r>
+              <a:rPr lang="en-ID" dirty="0" smtClean="0">
+                <a:sym typeface="Wingdings" panose="05000000000000000000" pitchFamily="2" charset="2"/>
+              </a:rPr>
+              <a:t>Prerequisite :</a:t>
+            </a:r>
+          </a:p>
+          <a:p>
             <a:pPr marL="285750" indent="-285750">
               <a:buFont typeface="Arial" panose="020B0604020202020204" pitchFamily="34" charset="0"/>
               <a:buChar char="•"/>
@@ -3649,9 +4486,6 @@
               </a:rPr>
               <a:t>AWS </a:t>
             </a:r>
-            <a:endParaRPr lang="en-ID" dirty="0" smtClean="0">
-              <a:sym typeface="Wingdings" panose="05000000000000000000" pitchFamily="2" charset="2"/>
-            </a:endParaRPr>
           </a:p>
           <a:p>
             <a:pPr marL="285750" indent="-285750">
@@ -3694,16 +4528,7 @@
                 </a:solidFill>
                 <a:latin typeface="Bookman Old Style" panose="02050604050505020204" pitchFamily="18" charset="0"/>
               </a:rPr>
-              <a:t>CDC – </a:t>
-            </a:r>
-            <a:r>
-              <a:rPr lang="en-ID" b="1" dirty="0" smtClean="0">
-                <a:solidFill>
-                  <a:srgbClr val="392900"/>
-                </a:solidFill>
-                <a:latin typeface="Bookman Old Style" panose="02050604050505020204" pitchFamily="18" charset="0"/>
-              </a:rPr>
-              <a:t>Deploying to AWS</a:t>
+              <a:t>CDC – Deploying to AWS</a:t>
             </a:r>
             <a:endParaRPr lang="en-US" b="1" dirty="0">
               <a:solidFill>
@@ -3949,11 +4774,7 @@
           <a:p>
             <a:r>
               <a:rPr lang="en-ID" b="1" dirty="0" smtClean="0"/>
-              <a:t>We want to </a:t>
-            </a:r>
-            <a:r>
-              <a:rPr lang="en-ID" b="1" dirty="0" smtClean="0"/>
-              <a:t>deploy our application to AWS instances</a:t>
+              <a:t>We want to deploy our application to AWS instances</a:t>
             </a:r>
             <a:endParaRPr lang="en-US" b="1" dirty="0"/>
           </a:p>
@@ -4148,7 +4969,6 @@
               <a:rPr lang="en-US" dirty="0"/>
               <a:t> file is used to manage each deployment as a series of lifecycle events</a:t>
             </a:r>
-            <a:endParaRPr lang="en-US" dirty="0"/>
           </a:p>
         </p:txBody>
       </p:sp>
@@ -4182,9 +5002,39 @@
           <a:chExt cx="0" cy="0"/>
         </a:xfrm>
       </p:grpSpPr>
-      <p:sp>
-        <p:nvSpPr>
-          <p:cNvPr id="2" name="Title 1"/>
+      <p:pic>
+        <p:nvPicPr>
+          <p:cNvPr id="6" name="Picture 5"/>
+          <p:cNvPicPr>
+            <a:picLocks noChangeAspect="1"/>
+          </p:cNvPicPr>
+          <p:nvPr/>
+        </p:nvPicPr>
+        <p:blipFill>
+          <a:blip r:embed="rId2">
+            <a:extLst>
+              <a:ext uri="{28A0092B-C50C-407E-A947-70E740481C1C}">
+                <a14:useLocalDpi xmlns:a14="http://schemas.microsoft.com/office/drawing/2010/main" val="0"/>
+              </a:ext>
+            </a:extLst>
+          </a:blip>
+          <a:stretch>
+            <a:fillRect/>
+          </a:stretch>
+        </p:blipFill>
+        <p:spPr>
+          <a:xfrm>
+            <a:off x="404664" y="987574"/>
+            <a:ext cx="5661991" cy="2171445"/>
+          </a:xfrm>
+          <a:prstGeom prst="rect">
+            <a:avLst/>
+          </a:prstGeom>
+        </p:spPr>
+      </p:pic>
+      <p:sp>
+        <p:nvSpPr>
+          <p:cNvPr id="7" name="Title 1"/>
           <p:cNvSpPr>
             <a:spLocks noGrp="1"/>
           </p:cNvSpPr>
@@ -4194,7 +5044,7 @@
         </p:nvSpPr>
         <p:spPr>
           <a:xfrm>
-            <a:off x="260648" y="267494"/>
+            <a:off x="260648" y="314219"/>
             <a:ext cx="4114800" cy="425054"/>
           </a:xfrm>
         </p:spPr>
@@ -4204,7 +5054,7 @@
           <a:p>
             <a:r>
               <a:rPr lang="en-US" dirty="0" smtClean="0"/>
-              <a:t>AWS management</a:t>
+              <a:t>Deployment hooks</a:t>
             </a:r>
             <a:endParaRPr lang="en-US" dirty="0"/>
           </a:p>
@@ -4212,116 +5062,110 @@
       </p:sp>
       <p:sp>
         <p:nvSpPr>
-          <p:cNvPr id="4" name="Text Placeholder 3"/>
-          <p:cNvSpPr>
-            <a:spLocks noGrp="1"/>
-          </p:cNvSpPr>
-          <p:nvPr>
-            <p:ph type="body" sz="half" idx="2"/>
-          </p:nvPr>
-        </p:nvSpPr>
-        <p:spPr>
-          <a:xfrm>
-            <a:off x="260648" y="843559"/>
-            <a:ext cx="5112568" cy="3600400"/>
-          </a:xfrm>
-        </p:spPr>
-        <p:txBody>
-          <a:bodyPr>
-            <a:normAutofit/>
+          <p:cNvPr id="8" name="TextBox 7"/>
+          <p:cNvSpPr txBox="1"/>
+          <p:nvPr/>
+        </p:nvSpPr>
+        <p:spPr>
+          <a:xfrm>
+            <a:off x="389383" y="3407320"/>
+            <a:ext cx="6048671" cy="954107"/>
+          </a:xfrm>
+          <a:prstGeom prst="rect">
+            <a:avLst/>
+          </a:prstGeom>
+          <a:noFill/>
+        </p:spPr>
+        <p:txBody>
+          <a:bodyPr wrap="square" rtlCol="0">
+            <a:spAutoFit/>
           </a:bodyPr>
           <a:lstStyle/>
           <a:p>
-            <a:pPr marL="171450" indent="-171450">
-              <a:buFont typeface="Arial" panose="020B0604020202020204" pitchFamily="34" charset="0"/>
-              <a:buChar char="•"/>
-            </a:pPr>
-            <a:r>
-              <a:rPr lang="en-US" sz="1200" dirty="0" smtClean="0"/>
-              <a:t>Create IAM Role</a:t>
-            </a:r>
-          </a:p>
-          <a:p>
-            <a:pPr marL="171450" indent="-171450">
-              <a:buFont typeface="Arial" panose="020B0604020202020204" pitchFamily="34" charset="0"/>
-              <a:buChar char="•"/>
-            </a:pPr>
-            <a:r>
-              <a:rPr lang="en-US" sz="1200" dirty="0" smtClean="0"/>
-              <a:t>Create instance with this IAM role attached</a:t>
-            </a:r>
-          </a:p>
-          <a:p>
-            <a:pPr marL="171450" indent="-171450">
-              <a:buFont typeface="Arial" panose="020B0604020202020204" pitchFamily="34" charset="0"/>
-              <a:buChar char="•"/>
-            </a:pPr>
-            <a:r>
-              <a:rPr lang="en-US" sz="1200" dirty="0" smtClean="0"/>
-              <a:t>Create S3 bucket</a:t>
-            </a:r>
-          </a:p>
-          <a:p>
-            <a:pPr marL="171450" indent="-171450">
-              <a:buFont typeface="Arial" panose="020B0604020202020204" pitchFamily="34" charset="0"/>
-              <a:buChar char="•"/>
-            </a:pPr>
-            <a:r>
-              <a:rPr lang="en-US" sz="1200" dirty="0" smtClean="0"/>
-              <a:t>Create </a:t>
-            </a:r>
-            <a:r>
-              <a:rPr lang="en-US" sz="1200" dirty="0" err="1" smtClean="0"/>
-              <a:t>Codedeploy</a:t>
-            </a:r>
-            <a:r>
-              <a:rPr lang="en-US" sz="1200" dirty="0"/>
-              <a:t> Application </a:t>
-            </a:r>
-            <a:r>
-              <a:rPr lang="en-US" sz="1200" dirty="0" smtClean="0"/>
-              <a:t/>
-            </a:r>
-            <a:br>
-              <a:rPr lang="en-US" sz="1200" dirty="0" smtClean="0"/>
-            </a:br>
-            <a:r>
-              <a:rPr lang="en-US" sz="1200" dirty="0" smtClean="0">
-                <a:hlinkClick r:id="rId3"/>
-              </a:rPr>
-              <a:t>https</a:t>
-            </a:r>
-            <a:r>
-              <a:rPr lang="en-US" sz="1200" dirty="0">
-                <a:hlinkClick r:id="rId3"/>
-              </a:rPr>
-              <a:t>://ap-southeast-1.console.aws.amazon.com/codedeploy/home?region=ap-southeast-1#/</a:t>
-            </a:r>
-            <a:r>
-              <a:rPr lang="en-US" sz="1200" dirty="0" smtClean="0">
-                <a:hlinkClick r:id="rId3"/>
-              </a:rPr>
-              <a:t>applications</a:t>
-            </a:r>
-            <a:endParaRPr lang="en-US" sz="1200" dirty="0" smtClean="0"/>
-          </a:p>
-          <a:p>
-            <a:pPr marL="171450" indent="-171450">
-              <a:buFont typeface="Arial" panose="020B0604020202020204" pitchFamily="34" charset="0"/>
-              <a:buChar char="•"/>
-            </a:pPr>
-            <a:r>
-              <a:rPr lang="en-US" sz="1200" dirty="0" smtClean="0"/>
-              <a:t>Create Deployment group</a:t>
-            </a:r>
-            <a:endParaRPr lang="en-US" sz="1200" dirty="0"/>
+            <a:r>
+              <a:rPr lang="en-US" sz="1400" dirty="0"/>
+              <a:t>The </a:t>
+            </a:r>
+            <a:r>
+              <a:rPr lang="en-US" sz="1400" b="1" dirty="0"/>
+              <a:t>Start</a:t>
+            </a:r>
+            <a:r>
+              <a:rPr lang="en-US" sz="1400" dirty="0"/>
+              <a:t>, </a:t>
+            </a:r>
+            <a:r>
+              <a:rPr lang="en-US" sz="1400" b="1" dirty="0" err="1"/>
+              <a:t>DownloadBundle</a:t>
+            </a:r>
+            <a:r>
+              <a:rPr lang="en-US" sz="1400" dirty="0"/>
+              <a:t>, </a:t>
+            </a:r>
+            <a:r>
+              <a:rPr lang="en-US" sz="1400" b="1" dirty="0"/>
+              <a:t>Install</a:t>
+            </a:r>
+            <a:r>
+              <a:rPr lang="en-US" sz="1400" dirty="0"/>
+              <a:t>, </a:t>
+            </a:r>
+            <a:r>
+              <a:rPr lang="en-US" sz="1400" b="1" dirty="0" err="1"/>
+              <a:t>BlockTraffic</a:t>
+            </a:r>
+            <a:r>
+              <a:rPr lang="en-US" sz="1400" dirty="0"/>
+              <a:t>, </a:t>
+            </a:r>
+            <a:r>
+              <a:rPr lang="en-US" sz="1400" b="1" dirty="0" err="1"/>
+              <a:t>AllowTraffic</a:t>
+            </a:r>
+            <a:r>
+              <a:rPr lang="en-US" sz="1400" dirty="0"/>
+              <a:t>, and </a:t>
+            </a:r>
+            <a:r>
+              <a:rPr lang="en-US" sz="1400" b="1" dirty="0"/>
+              <a:t>End</a:t>
+            </a:r>
+            <a:r>
+              <a:rPr lang="en-US" sz="1400" dirty="0"/>
+              <a:t> events in the deployment cannot be scripted, which is why they appear in gray in this diagram. However, you can edit the </a:t>
+            </a:r>
+            <a:r>
+              <a:rPr lang="en-US" sz="1400" b="1" dirty="0"/>
+              <a:t>files</a:t>
+            </a:r>
+            <a:r>
+              <a:rPr lang="en-US" sz="1400" dirty="0"/>
+              <a:t> section of the </a:t>
+            </a:r>
+            <a:r>
+              <a:rPr lang="en-US" sz="1400" dirty="0" err="1"/>
+              <a:t>AppSpec</a:t>
+            </a:r>
+            <a:r>
+              <a:rPr lang="en-US" sz="1400" dirty="0"/>
+              <a:t> file to specify what's installed during the </a:t>
+            </a:r>
+            <a:r>
+              <a:rPr lang="en-US" sz="1400" b="1" dirty="0"/>
+              <a:t>Install</a:t>
+            </a:r>
+            <a:r>
+              <a:rPr lang="en-US" sz="1400" dirty="0"/>
+              <a:t> event.</a:t>
+            </a:r>
+            <a:endParaRPr lang="en-US" sz="1400" dirty="0"/>
           </a:p>
         </p:txBody>
       </p:sp>
     </p:spTree>
     <p:extLst>
       <p:ext uri="{BB962C8B-B14F-4D97-AF65-F5344CB8AC3E}">
-        <p14:creationId xmlns:p14="http://schemas.microsoft.com/office/powerpoint/2010/main" val="2252990035"/>
+        <p14:creationId xmlns:p14="http://schemas.microsoft.com/office/powerpoint/2010/main" val="66156416"/>
       </p:ext>
     </p:extLst>
   </p:cSld>
@@ -4350,7 +5194,7 @@
       </p:grpSpPr>
       <p:sp>
         <p:nvSpPr>
-          <p:cNvPr id="2" name="Title 1"/>
+          <p:cNvPr id="5" name="Title 1"/>
           <p:cNvSpPr>
             <a:spLocks noGrp="1"/>
           </p:cNvSpPr>
@@ -4360,17 +5204,19 @@
         </p:nvSpPr>
         <p:spPr>
           <a:xfrm>
-            <a:off x="260648" y="267494"/>
+            <a:off x="260648" y="314219"/>
             <a:ext cx="4114800" cy="425054"/>
           </a:xfrm>
         </p:spPr>
         <p:txBody>
-          <a:bodyPr/>
+          <a:bodyPr>
+            <a:normAutofit/>
+          </a:bodyPr>
           <a:lstStyle/>
           <a:p>
             <a:r>
-              <a:rPr lang="en-US" dirty="0" smtClean="0"/>
-              <a:t>Create S3 bucket</a:t>
+              <a:rPr lang="en-US" dirty="0" err="1" smtClean="0"/>
+              <a:t>Appspec.yml</a:t>
             </a:r>
             <a:endParaRPr lang="en-US" dirty="0"/>
           </a:p>
@@ -4378,32 +5224,95 @@
       </p:sp>
       <p:pic>
         <p:nvPicPr>
-          <p:cNvPr id="13" name="Picture 12"/>
+          <p:cNvPr id="6" name="Picture 5"/>
           <p:cNvPicPr>
             <a:picLocks noChangeAspect="1"/>
           </p:cNvPicPr>
           <p:nvPr/>
         </p:nvPicPr>
         <p:blipFill>
-          <a:blip r:embed="rId3"/>
+          <a:blip r:embed="rId2"/>
           <a:stretch>
             <a:fillRect/>
           </a:stretch>
         </p:blipFill>
         <p:spPr>
           <a:xfrm>
-            <a:off x="620689" y="771550"/>
-            <a:ext cx="5616624" cy="3746473"/>
+            <a:off x="260648" y="747133"/>
+            <a:ext cx="3096344" cy="3659948"/>
           </a:xfrm>
           <a:prstGeom prst="rect">
             <a:avLst/>
           </a:prstGeom>
         </p:spPr>
       </p:pic>
+      <p:sp>
+        <p:nvSpPr>
+          <p:cNvPr id="7" name="TextBox 6"/>
+          <p:cNvSpPr txBox="1"/>
+          <p:nvPr/>
+        </p:nvSpPr>
+        <p:spPr>
+          <a:xfrm>
+            <a:off x="3717032" y="3363838"/>
+            <a:ext cx="2503891" cy="369332"/>
+          </a:xfrm>
+          <a:prstGeom prst="rect">
+            <a:avLst/>
+          </a:prstGeom>
+          <a:noFill/>
+        </p:spPr>
+        <p:txBody>
+          <a:bodyPr wrap="none" rtlCol="0">
+            <a:spAutoFit/>
+          </a:bodyPr>
+          <a:lstStyle/>
+          <a:p>
+            <a:r>
+              <a:rPr lang="en-US" dirty="0" err="1"/>
+              <a:t>AppSpec</a:t>
+            </a:r>
+            <a:r>
+              <a:rPr lang="en-US" dirty="0"/>
+              <a:t> 'hooks' Section</a:t>
+            </a:r>
+          </a:p>
+        </p:txBody>
+      </p:sp>
+      <p:sp>
+        <p:nvSpPr>
+          <p:cNvPr id="8" name="TextBox 7"/>
+          <p:cNvSpPr txBox="1"/>
+          <p:nvPr/>
+        </p:nvSpPr>
+        <p:spPr>
+          <a:xfrm>
+            <a:off x="3717031" y="1275606"/>
+            <a:ext cx="2134943" cy="369332"/>
+          </a:xfrm>
+          <a:prstGeom prst="rect">
+            <a:avLst/>
+          </a:prstGeom>
+          <a:noFill/>
+        </p:spPr>
+        <p:txBody>
+          <a:bodyPr wrap="none" rtlCol="0">
+            <a:spAutoFit/>
+          </a:bodyPr>
+          <a:lstStyle/>
+          <a:p>
+            <a:r>
+              <a:rPr lang="en-US" dirty="0" smtClean="0"/>
+              <a:t>What files you install</a:t>
+            </a:r>
+            <a:endParaRPr lang="en-US" dirty="0"/>
+          </a:p>
+        </p:txBody>
+      </p:sp>
     </p:spTree>
     <p:extLst>
       <p:ext uri="{BB962C8B-B14F-4D97-AF65-F5344CB8AC3E}">
-        <p14:creationId xmlns:p14="http://schemas.microsoft.com/office/powerpoint/2010/main" val="779159867"/>
+        <p14:creationId xmlns:p14="http://schemas.microsoft.com/office/powerpoint/2010/main" val="567170485"/>
       </p:ext>
     </p:extLst>
   </p:cSld>
@@ -4452,125 +5361,124 @@
           <a:p>
             <a:r>
               <a:rPr lang="en-US" dirty="0" smtClean="0"/>
-              <a:t>Preparing Instance</a:t>
+              <a:t>AWS management</a:t>
             </a:r>
             <a:endParaRPr lang="en-US" dirty="0"/>
           </a:p>
         </p:txBody>
       </p:sp>
-      <p:pic>
-        <p:nvPicPr>
-          <p:cNvPr id="9" name="Picture 8"/>
-          <p:cNvPicPr>
-            <a:picLocks noChangeAspect="1"/>
-          </p:cNvPicPr>
-          <p:nvPr/>
-        </p:nvPicPr>
-        <p:blipFill>
-          <a:blip r:embed="rId3"/>
-          <a:stretch>
-            <a:fillRect/>
-          </a:stretch>
-        </p:blipFill>
-        <p:spPr>
-          <a:xfrm>
-            <a:off x="404664" y="843558"/>
-            <a:ext cx="6234704" cy="3096344"/>
-          </a:xfrm>
-          <a:prstGeom prst="rect">
-            <a:avLst/>
-          </a:prstGeom>
-        </p:spPr>
-      </p:pic>
-      <p:sp>
-        <p:nvSpPr>
-          <p:cNvPr id="11" name="Oval 10"/>
-          <p:cNvSpPr/>
-          <p:nvPr/>
-        </p:nvSpPr>
-        <p:spPr>
-          <a:xfrm>
-            <a:off x="1196752" y="2499742"/>
-            <a:ext cx="2880320" cy="432048"/>
-          </a:xfrm>
-          <a:prstGeom prst="ellipse">
-            <a:avLst/>
-          </a:prstGeom>
-          <a:noFill/>
-        </p:spPr>
-        <p:style>
-          <a:lnRef idx="2">
-            <a:schemeClr val="accent6"/>
-          </a:lnRef>
-          <a:fillRef idx="1">
-            <a:schemeClr val="lt1"/>
-          </a:fillRef>
-          <a:effectRef idx="0">
-            <a:schemeClr val="accent6"/>
-          </a:effectRef>
-          <a:fontRef idx="minor">
-            <a:schemeClr val="dk1"/>
-          </a:fontRef>
-        </p:style>
-        <p:txBody>
-          <a:bodyPr rtlCol="0" anchor="ctr"/>
-          <a:lstStyle/>
-          <a:p>
-            <a:pPr algn="ctr"/>
-            <a:endParaRPr lang="en-US"/>
-          </a:p>
-        </p:txBody>
-      </p:sp>
-      <p:sp>
-        <p:nvSpPr>
-          <p:cNvPr id="3" name="TextBox 2"/>
-          <p:cNvSpPr txBox="1"/>
-          <p:nvPr/>
-        </p:nvSpPr>
-        <p:spPr>
-          <a:xfrm>
-            <a:off x="260648" y="3941643"/>
-            <a:ext cx="6407927" cy="646331"/>
-          </a:xfrm>
-          <a:prstGeom prst="rect">
-            <a:avLst/>
-          </a:prstGeom>
-          <a:noFill/>
-        </p:spPr>
-        <p:txBody>
-          <a:bodyPr wrap="square" rtlCol="0">
-            <a:spAutoFit/>
+      <p:sp>
+        <p:nvSpPr>
+          <p:cNvPr id="4" name="Text Placeholder 3"/>
+          <p:cNvSpPr>
+            <a:spLocks noGrp="1"/>
+          </p:cNvSpPr>
+          <p:nvPr>
+            <p:ph type="body" sz="half" idx="2"/>
+          </p:nvPr>
+        </p:nvSpPr>
+        <p:spPr>
+          <a:xfrm>
+            <a:off x="260648" y="843559"/>
+            <a:ext cx="5112568" cy="3600400"/>
+          </a:xfrm>
+        </p:spPr>
+        <p:txBody>
+          <a:bodyPr>
+            <a:normAutofit/>
           </a:bodyPr>
           <a:lstStyle/>
           <a:p>
-            <a:r>
-              <a:rPr lang="en-US" dirty="0" smtClean="0"/>
-              <a:t>After the instance is </a:t>
-            </a:r>
-            <a:r>
-              <a:rPr lang="en-US" dirty="0" err="1" smtClean="0"/>
-              <a:t>cretead</a:t>
-            </a:r>
-            <a:r>
-              <a:rPr lang="en-US" dirty="0" smtClean="0"/>
-              <a:t>, the you need to install AWS </a:t>
-            </a:r>
-            <a:r>
-              <a:rPr lang="en-US" dirty="0" err="1" smtClean="0"/>
+            <a:pPr marL="171450" indent="-171450">
+              <a:buFont typeface="Arial" panose="020B0604020202020204" pitchFamily="34" charset="0"/>
+              <a:buChar char="•"/>
+            </a:pPr>
+            <a:r>
+              <a:rPr lang="en-US" sz="1200" dirty="0" smtClean="0"/>
+              <a:t>Create IAM Role</a:t>
+            </a:r>
+          </a:p>
+          <a:p>
+            <a:pPr marL="171450" indent="-171450">
+              <a:buFont typeface="Arial" panose="020B0604020202020204" pitchFamily="34" charset="0"/>
+              <a:buChar char="•"/>
+            </a:pPr>
+            <a:r>
+              <a:rPr lang="en-US" sz="1200" dirty="0" smtClean="0"/>
+              <a:t>Create instance with this IAM role attached</a:t>
+            </a:r>
+          </a:p>
+          <a:p>
+            <a:pPr marL="171450" indent="-171450">
+              <a:buFont typeface="Arial" panose="020B0604020202020204" pitchFamily="34" charset="0"/>
+              <a:buChar char="•"/>
+            </a:pPr>
+            <a:r>
+              <a:rPr lang="en-US" sz="1200" dirty="0" smtClean="0"/>
+              <a:t>Create S3 bucket</a:t>
+            </a:r>
+          </a:p>
+          <a:p>
+            <a:pPr marL="171450" indent="-171450">
+              <a:buFont typeface="Arial" panose="020B0604020202020204" pitchFamily="34" charset="0"/>
+              <a:buChar char="•"/>
+            </a:pPr>
+            <a:r>
+              <a:rPr lang="en-US" sz="1200" dirty="0" smtClean="0"/>
+              <a:t>Create </a:t>
+            </a:r>
+            <a:r>
+              <a:rPr lang="en-US" sz="1200" dirty="0" err="1" smtClean="0"/>
               <a:t>Codedeploy</a:t>
             </a:r>
             <a:r>
-              <a:rPr lang="en-US" dirty="0" smtClean="0"/>
-              <a:t> agent</a:t>
-            </a:r>
-            <a:endParaRPr lang="en-US" dirty="0"/>
+              <a:rPr lang="en-US" sz="1200" dirty="0"/>
+              <a:t> Application </a:t>
+            </a:r>
+            <a:r>
+              <a:rPr lang="en-US" sz="1200" dirty="0" smtClean="0"/>
+              <a:t/>
+            </a:r>
+            <a:br>
+              <a:rPr lang="en-US" sz="1200" dirty="0" smtClean="0"/>
+            </a:br>
+            <a:r>
+              <a:rPr lang="en-US" sz="1200" dirty="0" smtClean="0">
+                <a:hlinkClick r:id="rId3"/>
+              </a:rPr>
+              <a:t>https</a:t>
+            </a:r>
+            <a:r>
+              <a:rPr lang="en-US" sz="1200" dirty="0">
+                <a:hlinkClick r:id="rId3"/>
+              </a:rPr>
+              <a:t>://ap-southeast-1.console.aws.amazon.com/codedeploy/home?region=ap-southeast-1#/</a:t>
+            </a:r>
+            <a:r>
+              <a:rPr lang="en-US" sz="1200" dirty="0" smtClean="0">
+                <a:hlinkClick r:id="rId3"/>
+              </a:rPr>
+              <a:t>applications</a:t>
+            </a:r>
+            <a:endParaRPr lang="en-US" sz="1200" dirty="0" smtClean="0"/>
+          </a:p>
+          <a:p>
+            <a:pPr marL="171450" indent="-171450">
+              <a:buFont typeface="Arial" panose="020B0604020202020204" pitchFamily="34" charset="0"/>
+              <a:buChar char="•"/>
+            </a:pPr>
+            <a:r>
+              <a:rPr lang="en-US" sz="1200" dirty="0" smtClean="0"/>
+              <a:t>Create Deployment group</a:t>
+            </a:r>
+            <a:endParaRPr lang="en-US" sz="1200" dirty="0"/>
           </a:p>
         </p:txBody>
       </p:sp>
     </p:spTree>
     <p:extLst>
       <p:ext uri="{BB962C8B-B14F-4D97-AF65-F5344CB8AC3E}">
-        <p14:creationId xmlns:p14="http://schemas.microsoft.com/office/powerpoint/2010/main" val="2527282062"/>
+        <p14:creationId xmlns:p14="http://schemas.microsoft.com/office/powerpoint/2010/main" val="2252990035"/>
       </p:ext>
     </p:extLst>
   </p:cSld>
@@ -4619,7 +5527,7 @@
           <a:p>
             <a:r>
               <a:rPr lang="en-US" dirty="0" smtClean="0"/>
-              <a:t>Create Deployment Group</a:t>
+              <a:t>Create S3 bucket</a:t>
             </a:r>
             <a:endParaRPr lang="en-US" dirty="0"/>
           </a:p>
@@ -4627,7 +5535,7 @@
       </p:sp>
       <p:pic>
         <p:nvPicPr>
-          <p:cNvPr id="5" name="Picture 4"/>
+          <p:cNvPr id="13" name="Picture 12"/>
           <p:cNvPicPr>
             <a:picLocks noChangeAspect="1"/>
           </p:cNvPicPr>
@@ -4641,102 +5549,18 @@
         </p:blipFill>
         <p:spPr>
           <a:xfrm>
-            <a:off x="272345" y="896910"/>
-            <a:ext cx="5676935" cy="3696609"/>
+            <a:off x="620689" y="771550"/>
+            <a:ext cx="5616624" cy="3746473"/>
           </a:xfrm>
           <a:prstGeom prst="rect">
             <a:avLst/>
           </a:prstGeom>
         </p:spPr>
       </p:pic>
-      <p:sp>
-        <p:nvSpPr>
-          <p:cNvPr id="6" name="TextBox 5"/>
-          <p:cNvSpPr txBox="1"/>
-          <p:nvPr/>
-        </p:nvSpPr>
-        <p:spPr>
-          <a:xfrm>
-            <a:off x="4077072" y="4209667"/>
-            <a:ext cx="1995803" cy="276999"/>
-          </a:xfrm>
-          <a:prstGeom prst="rect">
-            <a:avLst/>
-          </a:prstGeom>
-          <a:noFill/>
-        </p:spPr>
-        <p:txBody>
-          <a:bodyPr wrap="none" rtlCol="0">
-            <a:spAutoFit/>
-          </a:bodyPr>
-          <a:lstStyle/>
-          <a:p>
-            <a:r>
-              <a:rPr lang="en-US" sz="1200" dirty="0" smtClean="0">
-                <a:solidFill>
-                  <a:schemeClr val="tx2">
-                    <a:lumMod val="75000"/>
-                  </a:schemeClr>
-                </a:solidFill>
-              </a:rPr>
-              <a:t>IAM Role that created before</a:t>
-            </a:r>
-            <a:endParaRPr lang="en-US" sz="1200" dirty="0">
-              <a:solidFill>
-                <a:schemeClr val="tx2">
-                  <a:lumMod val="75000"/>
-                </a:schemeClr>
-              </a:solidFill>
-            </a:endParaRPr>
-          </a:p>
-        </p:txBody>
-      </p:sp>
-      <p:sp>
-        <p:nvSpPr>
-          <p:cNvPr id="7" name="TextBox 6"/>
-          <p:cNvSpPr txBox="1"/>
-          <p:nvPr/>
-        </p:nvSpPr>
-        <p:spPr>
-          <a:xfrm>
-            <a:off x="3789040" y="1563638"/>
-            <a:ext cx="2336537" cy="276999"/>
-          </a:xfrm>
-          <a:prstGeom prst="rect">
-            <a:avLst/>
-          </a:prstGeom>
-          <a:noFill/>
-        </p:spPr>
-        <p:txBody>
-          <a:bodyPr wrap="none" rtlCol="0">
-            <a:spAutoFit/>
-          </a:bodyPr>
-          <a:lstStyle/>
-          <a:p>
-            <a:r>
-              <a:rPr lang="en-US" sz="1200" dirty="0" smtClean="0">
-                <a:solidFill>
-                  <a:schemeClr val="tx2">
-                    <a:lumMod val="75000"/>
-                  </a:schemeClr>
-                </a:solidFill>
-              </a:rPr>
-              <a:t>Instance that will be deployed into</a:t>
-            </a:r>
-            <a:endParaRPr lang="en-US" sz="1200" dirty="0">
-              <a:solidFill>
-                <a:schemeClr val="tx2">
-                  <a:lumMod val="75000"/>
-                </a:schemeClr>
-              </a:solidFill>
-            </a:endParaRPr>
-          </a:p>
-        </p:txBody>
-      </p:sp>
     </p:spTree>
     <p:extLst>
       <p:ext uri="{BB962C8B-B14F-4D97-AF65-F5344CB8AC3E}">
-        <p14:creationId xmlns:p14="http://schemas.microsoft.com/office/powerpoint/2010/main" val="614904575"/>
+        <p14:creationId xmlns:p14="http://schemas.microsoft.com/office/powerpoint/2010/main" val="779159867"/>
       </p:ext>
     </p:extLst>
   </p:cSld>
@@ -4775,34 +5599,95 @@
         </p:nvSpPr>
         <p:spPr>
           <a:xfrm>
-            <a:off x="188640" y="195486"/>
+            <a:off x="260648" y="267494"/>
             <a:ext cx="4114800" cy="425054"/>
           </a:xfrm>
         </p:spPr>
         <p:txBody>
-          <a:bodyPr>
-            <a:normAutofit/>
-          </a:bodyPr>
+          <a:bodyPr/>
           <a:lstStyle/>
           <a:p>
             <a:r>
-              <a:rPr lang="en-US" dirty="0" err="1" smtClean="0"/>
-              <a:t>Jenkinsfile</a:t>
+              <a:rPr lang="en-US" dirty="0" smtClean="0"/>
+              <a:t>Preparing Instance</a:t>
             </a:r>
             <a:endParaRPr lang="en-US" dirty="0"/>
           </a:p>
         </p:txBody>
       </p:sp>
-      <p:sp>
-        <p:nvSpPr>
-          <p:cNvPr id="6" name="TextBox 5"/>
+      <p:pic>
+        <p:nvPicPr>
+          <p:cNvPr id="9" name="Picture 8"/>
+          <p:cNvPicPr>
+            <a:picLocks noChangeAspect="1"/>
+          </p:cNvPicPr>
+          <p:nvPr/>
+        </p:nvPicPr>
+        <p:blipFill>
+          <a:blip r:embed="rId3"/>
+          <a:stretch>
+            <a:fillRect/>
+          </a:stretch>
+        </p:blipFill>
+        <p:spPr>
+          <a:xfrm>
+            <a:off x="404664" y="843558"/>
+            <a:ext cx="6234704" cy="3096344"/>
+          </a:xfrm>
+          <a:prstGeom prst="rect">
+            <a:avLst/>
+          </a:prstGeom>
+        </p:spPr>
+      </p:pic>
+      <p:sp>
+        <p:nvSpPr>
+          <p:cNvPr id="11" name="Oval 10"/>
+          <p:cNvSpPr/>
+          <p:nvPr/>
+        </p:nvSpPr>
+        <p:spPr>
+          <a:xfrm>
+            <a:off x="1196752" y="2499742"/>
+            <a:ext cx="2880320" cy="432048"/>
+          </a:xfrm>
+          <a:prstGeom prst="ellipse">
+            <a:avLst/>
+          </a:prstGeom>
+          <a:noFill/>
+        </p:spPr>
+        <p:style>
+          <a:lnRef idx="2">
+            <a:schemeClr val="accent6"/>
+          </a:lnRef>
+          <a:fillRef idx="1">
+            <a:schemeClr val="lt1"/>
+          </a:fillRef>
+          <a:effectRef idx="0">
+            <a:schemeClr val="accent6"/>
+          </a:effectRef>
+          <a:fontRef idx="minor">
+            <a:schemeClr val="dk1"/>
+          </a:fontRef>
+        </p:style>
+        <p:txBody>
+          <a:bodyPr rtlCol="0" anchor="ctr"/>
+          <a:lstStyle/>
+          <a:p>
+            <a:pPr algn="ctr"/>
+            <a:endParaRPr lang="en-US"/>
+          </a:p>
+        </p:txBody>
+      </p:sp>
+      <p:sp>
+        <p:nvSpPr>
+          <p:cNvPr id="3" name="TextBox 2"/>
           <p:cNvSpPr txBox="1"/>
           <p:nvPr/>
         </p:nvSpPr>
         <p:spPr>
           <a:xfrm>
-            <a:off x="260648" y="915566"/>
-            <a:ext cx="6264696" cy="3139321"/>
+            <a:off x="260648" y="3941643"/>
+            <a:ext cx="6407927" cy="646331"/>
           </a:xfrm>
           <a:prstGeom prst="rect">
             <a:avLst/>
@@ -4815,165 +5700,26 @@
           </a:bodyPr>
           <a:lstStyle/>
           <a:p>
-            <a:pPr marL="285750" indent="-285750">
-              <a:buFont typeface="Arial" panose="020B0604020202020204" pitchFamily="34" charset="0"/>
-              <a:buChar char="•"/>
-            </a:pPr>
-            <a:r>
-              <a:rPr lang="en-US" dirty="0" smtClean="0"/>
-              <a:t>Push to S3</a:t>
-            </a:r>
-            <a:r>
-              <a:rPr lang="en-US" dirty="0"/>
-              <a:t/>
-            </a:r>
-            <a:br>
-              <a:rPr lang="en-US" dirty="0"/>
-            </a:br>
+            <a:r>
+              <a:rPr lang="en-US" dirty="0" smtClean="0"/>
+              <a:t>After the instance is </a:t>
+            </a:r>
             <a:r>
               <a:rPr lang="en-US" dirty="0" err="1" smtClean="0"/>
-              <a:t>aws</a:t>
-            </a:r>
-            <a:r>
-              <a:rPr lang="en-US" dirty="0" smtClean="0"/>
-              <a:t> </a:t>
-            </a:r>
-            <a:r>
-              <a:rPr lang="en-US" dirty="0"/>
-              <a:t>deploy push </a:t>
-            </a:r>
-            <a:r>
-              <a:rPr lang="en-US" dirty="0" smtClean="0"/>
-              <a:t/>
-            </a:r>
-            <a:br>
-              <a:rPr lang="en-US" dirty="0" smtClean="0"/>
-            </a:br>
-            <a:r>
-              <a:rPr lang="en-US" dirty="0" smtClean="0"/>
-              <a:t>--</a:t>
-            </a:r>
-            <a:r>
-              <a:rPr lang="en-US" dirty="0"/>
-              <a:t>application-name ${</a:t>
-            </a:r>
-            <a:r>
-              <a:rPr lang="en-US" dirty="0" err="1"/>
-              <a:t>applicationName</a:t>
-            </a:r>
-            <a:r>
-              <a:rPr lang="en-US" dirty="0"/>
-              <a:t>} </a:t>
-            </a:r>
-            <a:r>
-              <a:rPr lang="en-US" dirty="0" smtClean="0"/>
-              <a:t/>
-            </a:r>
-            <a:br>
-              <a:rPr lang="en-US" dirty="0" smtClean="0"/>
-            </a:br>
-            <a:r>
-              <a:rPr lang="en-US" dirty="0" smtClean="0"/>
-              <a:t>--</a:t>
-            </a:r>
-            <a:r>
-              <a:rPr lang="en-US" dirty="0"/>
-              <a:t>description '${description}' </a:t>
-            </a:r>
-            <a:r>
-              <a:rPr lang="en-US" dirty="0" smtClean="0"/>
-              <a:t/>
-            </a:r>
-            <a:br>
-              <a:rPr lang="en-US" dirty="0" smtClean="0"/>
-            </a:br>
-            <a:r>
-              <a:rPr lang="en-US" dirty="0" smtClean="0"/>
-              <a:t>--</a:t>
-            </a:r>
-            <a:r>
-              <a:rPr lang="en-US" dirty="0"/>
-              <a:t>ignore-hidden-files </a:t>
-            </a:r>
-            <a:r>
-              <a:rPr lang="en-US" dirty="0" smtClean="0"/>
-              <a:t/>
-            </a:r>
-            <a:br>
-              <a:rPr lang="en-US" dirty="0" smtClean="0"/>
-            </a:br>
-            <a:r>
-              <a:rPr lang="en-US" dirty="0" smtClean="0"/>
-              <a:t>--</a:t>
-            </a:r>
-            <a:r>
-              <a:rPr lang="en-US" dirty="0"/>
-              <a:t>s3-location s3</a:t>
-            </a:r>
-            <a:r>
-              <a:rPr lang="en-US" dirty="0" smtClean="0"/>
-              <a:t>://${yourS3location} </a:t>
-            </a:r>
-            <a:br>
-              <a:rPr lang="en-US" dirty="0" smtClean="0"/>
-            </a:br>
-            <a:r>
-              <a:rPr lang="en-US" dirty="0" smtClean="0"/>
-              <a:t>--</a:t>
-            </a:r>
-            <a:r>
-              <a:rPr lang="en-US" dirty="0"/>
-              <a:t>source </a:t>
-            </a:r>
-            <a:r>
-              <a:rPr lang="en-US" dirty="0" smtClean="0"/>
-              <a:t>${</a:t>
+              <a:t>cretead</a:t>
+            </a:r>
+            <a:r>
+              <a:rPr lang="en-US" dirty="0" smtClean="0"/>
+              <a:t>, the you need to install AWS </a:t>
             </a:r>
             <a:r>
               <a:rPr lang="en-US" dirty="0" err="1" smtClean="0"/>
-              <a:t>yourdeployable</a:t>
-            </a:r>
-            <a:r>
-              <a:rPr lang="en-US" dirty="0" smtClean="0"/>
-              <a:t> content} </a:t>
-            </a:r>
-            <a:r>
-              <a:rPr lang="en-US" dirty="0"/>
-              <a:t>&gt; .</a:t>
-            </a:r>
-            <a:r>
-              <a:rPr lang="en-US" dirty="0" err="1" smtClean="0"/>
-              <a:t>deployment_command</a:t>
-            </a:r>
-            <a:endParaRPr lang="en-US" dirty="0" smtClean="0"/>
-          </a:p>
-          <a:p>
-            <a:pPr marL="285750" indent="-285750">
-              <a:buFont typeface="Arial" panose="020B0604020202020204" pitchFamily="34" charset="0"/>
-              <a:buChar char="•"/>
-            </a:pPr>
-            <a:endParaRPr lang="en-US" dirty="0"/>
-          </a:p>
-          <a:p>
-            <a:pPr marL="285750" indent="-285750">
-              <a:buFont typeface="Arial" panose="020B0604020202020204" pitchFamily="34" charset="0"/>
-              <a:buChar char="•"/>
-            </a:pPr>
-            <a:r>
-              <a:rPr lang="en-US" dirty="0" smtClean="0"/>
-              <a:t>You will get the deployment command in file ‘.</a:t>
-            </a:r>
-            <a:r>
-              <a:rPr lang="en-US" dirty="0" err="1" smtClean="0"/>
-              <a:t>deployment_command</a:t>
-            </a:r>
-            <a:r>
-              <a:rPr lang="en-US" dirty="0" smtClean="0"/>
-              <a:t>’</a:t>
-            </a:r>
-            <a:br>
-              <a:rPr lang="en-US" dirty="0" smtClean="0"/>
-            </a:br>
+              <a:t>Codedeploy</a:t>
+            </a:r>
+            <a:r>
+              <a:rPr lang="en-US" dirty="0" smtClean="0"/>
+              <a:t> agent</a:t>
+            </a:r>
             <a:endParaRPr lang="en-US" dirty="0"/>
           </a:p>
         </p:txBody>
@@ -4981,7 +5727,7 @@
     </p:spTree>
     <p:extLst>
       <p:ext uri="{BB962C8B-B14F-4D97-AF65-F5344CB8AC3E}">
-        <p14:creationId xmlns:p14="http://schemas.microsoft.com/office/powerpoint/2010/main" val="3002689209"/>
+        <p14:creationId xmlns:p14="http://schemas.microsoft.com/office/powerpoint/2010/main" val="2527282062"/>
       </p:ext>
     </p:extLst>
   </p:cSld>

--- a/cdc_git_ws5.pptx
+++ b/cdc_git_ws5.pptx
@@ -5,22 +5,23 @@
     <p:sldMasterId id="2147483648" r:id="rId4"/>
   </p:sldMasterIdLst>
   <p:notesMasterIdLst>
-    <p:notesMasterId r:id="rId18"/>
+    <p:notesMasterId r:id="rId19"/>
   </p:notesMasterIdLst>
   <p:sldIdLst>
     <p:sldId id="256" r:id="rId5"/>
-    <p:sldId id="299" r:id="rId6"/>
-    <p:sldId id="295" r:id="rId7"/>
-    <p:sldId id="300" r:id="rId8"/>
-    <p:sldId id="309" r:id="rId9"/>
-    <p:sldId id="310" r:id="rId10"/>
-    <p:sldId id="301" r:id="rId11"/>
-    <p:sldId id="302" r:id="rId12"/>
-    <p:sldId id="306" r:id="rId13"/>
-    <p:sldId id="305" r:id="rId14"/>
-    <p:sldId id="303" r:id="rId15"/>
-    <p:sldId id="308" r:id="rId16"/>
-    <p:sldId id="311" r:id="rId17"/>
+    <p:sldId id="312" r:id="rId6"/>
+    <p:sldId id="299" r:id="rId7"/>
+    <p:sldId id="295" r:id="rId8"/>
+    <p:sldId id="300" r:id="rId9"/>
+    <p:sldId id="309" r:id="rId10"/>
+    <p:sldId id="310" r:id="rId11"/>
+    <p:sldId id="301" r:id="rId12"/>
+    <p:sldId id="302" r:id="rId13"/>
+    <p:sldId id="306" r:id="rId14"/>
+    <p:sldId id="305" r:id="rId15"/>
+    <p:sldId id="303" r:id="rId16"/>
+    <p:sldId id="308" r:id="rId17"/>
+    <p:sldId id="311" r:id="rId18"/>
   </p:sldIdLst>
   <p:sldSz cx="6858000" cy="5143500"/>
   <p:notesSz cx="6858000" cy="9144000"/>
@@ -642,14 +643,6 @@
           <a:bodyPr/>
           <a:lstStyle/>
           <a:p>
-            <a:r>
-              <a:rPr lang="en-ID" dirty="0" smtClean="0"/>
-              <a:t>- Trainees</a:t>
-            </a:r>
-            <a:r>
-              <a:rPr lang="en-ID" baseline="0" dirty="0" smtClean="0"/>
-              <a:t> should have a dedicated branch (hopefully they have the same trainers)</a:t>
-            </a:r>
             <a:endParaRPr lang="en-US" dirty="0"/>
           </a:p>
         </p:txBody>
@@ -680,7 +673,7 @@
     </p:spTree>
     <p:extLst>
       <p:ext uri="{BB962C8B-B14F-4D97-AF65-F5344CB8AC3E}">
-        <p14:creationId xmlns:p14="http://schemas.microsoft.com/office/powerpoint/2010/main" val="2812428627"/>
+        <p14:creationId xmlns:p14="http://schemas.microsoft.com/office/powerpoint/2010/main" val="3515551909"/>
       </p:ext>
     </p:extLst>
   </p:cSld>
@@ -735,10 +728,14 @@
           <a:lstStyle/>
           <a:p>
             <a:r>
-              <a:rPr lang="en-US" b="1" dirty="0" smtClean="0"/>
-              <a:t>http://docs.aws.amazon.com/codedeploy/latest/userguide/welcome.html</a:t>
-            </a:r>
-            <a:endParaRPr lang="en-US" b="1" dirty="0"/>
+              <a:rPr lang="en-ID" dirty="0" smtClean="0"/>
+              <a:t>- Trainees</a:t>
+            </a:r>
+            <a:r>
+              <a:rPr lang="en-ID" baseline="0" dirty="0" smtClean="0"/>
+              <a:t> should have a dedicated branch (hopefully they have the same trainers)</a:t>
+            </a:r>
+            <a:endParaRPr lang="en-US" dirty="0"/>
           </a:p>
         </p:txBody>
       </p:sp>
@@ -768,7 +765,7 @@
     </p:spTree>
     <p:extLst>
       <p:ext uri="{BB962C8B-B14F-4D97-AF65-F5344CB8AC3E}">
-        <p14:creationId xmlns:p14="http://schemas.microsoft.com/office/powerpoint/2010/main" val="1323297392"/>
+        <p14:creationId xmlns:p14="http://schemas.microsoft.com/office/powerpoint/2010/main" val="2812428627"/>
       </p:ext>
     </p:extLst>
   </p:cSld>
@@ -822,7 +819,11 @@
           <a:bodyPr/>
           <a:lstStyle/>
           <a:p>
-            <a:endParaRPr lang="en-US" dirty="0"/>
+            <a:r>
+              <a:rPr lang="en-US" b="1" dirty="0" smtClean="0"/>
+              <a:t>http://docs.aws.amazon.com/codedeploy/latest/userguide/welcome.html</a:t>
+            </a:r>
+            <a:endParaRPr lang="en-US" b="1" dirty="0"/>
           </a:p>
         </p:txBody>
       </p:sp>
@@ -843,7 +844,7 @@
           <a:p>
             <a:fld id="{7959948B-77FA-4B75-B65F-C5051F11C89F}" type="slidenum">
               <a:rPr lang="en-US" smtClean="0"/>
-              <a:t>7</a:t>
+              <a:t>4</a:t>
             </a:fld>
             <a:endParaRPr lang="en-US"/>
           </a:p>
@@ -852,7 +853,7 @@
     </p:spTree>
     <p:extLst>
       <p:ext uri="{BB962C8B-B14F-4D97-AF65-F5344CB8AC3E}">
-        <p14:creationId xmlns:p14="http://schemas.microsoft.com/office/powerpoint/2010/main" val="3779837102"/>
+        <p14:creationId xmlns:p14="http://schemas.microsoft.com/office/powerpoint/2010/main" val="1323297392"/>
       </p:ext>
     </p:extLst>
   </p:cSld>
@@ -906,29 +907,6 @@
           <a:bodyPr/>
           <a:lstStyle/>
           <a:p>
-            <a:pPr marL="0" marR="0" indent="0" algn="l" defTabSz="914400" rtl="0" eaLnBrk="1" fontAlgn="auto" latinLnBrk="0" hangingPunct="1">
-              <a:lnSpc>
-                <a:spcPct val="100000"/>
-              </a:lnSpc>
-              <a:spcBef>
-                <a:spcPts val="0"/>
-              </a:spcBef>
-              <a:spcAft>
-                <a:spcPts val="0"/>
-              </a:spcAft>
-              <a:buClrTx/>
-              <a:buSzTx/>
-              <a:buFontTx/>
-              <a:buNone/>
-              <a:tabLst/>
-              <a:defRPr/>
-            </a:pPr>
-            <a:r>
-              <a:rPr lang="en-US" dirty="0" smtClean="0"/>
-              <a:t>https://ap-southeast-1.console.aws.amazon.com/codedeploy/home?region=ap-southeast-1#/applications/CDC-deploy/deployment-groups/new</a:t>
-            </a:r>
-          </a:p>
-          <a:p>
             <a:endParaRPr lang="en-US" dirty="0"/>
           </a:p>
         </p:txBody>
@@ -959,7 +937,7 @@
     </p:spTree>
     <p:extLst>
       <p:ext uri="{BB962C8B-B14F-4D97-AF65-F5344CB8AC3E}">
-        <p14:creationId xmlns:p14="http://schemas.microsoft.com/office/powerpoint/2010/main" val="193429633"/>
+        <p14:creationId xmlns:p14="http://schemas.microsoft.com/office/powerpoint/2010/main" val="3779837102"/>
       </p:ext>
     </p:extLst>
   </p:cSld>
@@ -1036,29 +1014,6 @@
             </a:r>
           </a:p>
           <a:p>
-            <a:pPr marL="0" marR="0" indent="0" algn="l" defTabSz="914400" rtl="0" eaLnBrk="1" fontAlgn="auto" latinLnBrk="0" hangingPunct="1">
-              <a:lnSpc>
-                <a:spcPct val="100000"/>
-              </a:lnSpc>
-              <a:spcBef>
-                <a:spcPts val="0"/>
-              </a:spcBef>
-              <a:spcAft>
-                <a:spcPts val="0"/>
-              </a:spcAft>
-              <a:buClrTx/>
-              <a:buSzTx/>
-              <a:buFontTx/>
-              <a:buNone/>
-              <a:tabLst/>
-              <a:defRPr/>
-            </a:pPr>
-            <a:r>
-              <a:rPr lang="en-US" dirty="0" smtClean="0"/>
-              <a:t>http://docs.aws.amazon.com/codedeploy/latest/userguide/how-to-run-agent-install.html</a:t>
-            </a:r>
-          </a:p>
-          <a:p>
             <a:endParaRPr lang="en-US" dirty="0"/>
           </a:p>
         </p:txBody>
@@ -1089,7 +1044,7 @@
     </p:spTree>
     <p:extLst>
       <p:ext uri="{BB962C8B-B14F-4D97-AF65-F5344CB8AC3E}">
-        <p14:creationId xmlns:p14="http://schemas.microsoft.com/office/powerpoint/2010/main" val="850563182"/>
+        <p14:creationId xmlns:p14="http://schemas.microsoft.com/office/powerpoint/2010/main" val="193429633"/>
       </p:ext>
     </p:extLst>
   </p:cSld>
@@ -1166,6 +1121,29 @@
             </a:r>
           </a:p>
           <a:p>
+            <a:pPr marL="0" marR="0" indent="0" algn="l" defTabSz="914400" rtl="0" eaLnBrk="1" fontAlgn="auto" latinLnBrk="0" hangingPunct="1">
+              <a:lnSpc>
+                <a:spcPct val="100000"/>
+              </a:lnSpc>
+              <a:spcBef>
+                <a:spcPts val="0"/>
+              </a:spcBef>
+              <a:spcAft>
+                <a:spcPts val="0"/>
+              </a:spcAft>
+              <a:buClrTx/>
+              <a:buSzTx/>
+              <a:buFontTx/>
+              <a:buNone/>
+              <a:tabLst/>
+              <a:defRPr/>
+            </a:pPr>
+            <a:r>
+              <a:rPr lang="en-US" dirty="0" smtClean="0"/>
+              <a:t>http://docs.aws.amazon.com/codedeploy/latest/userguide/how-to-run-agent-install.html</a:t>
+            </a:r>
+          </a:p>
+          <a:p>
             <a:endParaRPr lang="en-US" dirty="0"/>
           </a:p>
         </p:txBody>
@@ -1188,6 +1166,113 @@
             <a:fld id="{7959948B-77FA-4B75-B65F-C5051F11C89F}" type="slidenum">
               <a:rPr lang="en-US" smtClean="0"/>
               <a:t>10</a:t>
+            </a:fld>
+            <a:endParaRPr lang="en-US"/>
+          </a:p>
+        </p:txBody>
+      </p:sp>
+    </p:spTree>
+    <p:extLst>
+      <p:ext uri="{BB962C8B-B14F-4D97-AF65-F5344CB8AC3E}">
+        <p14:creationId xmlns:p14="http://schemas.microsoft.com/office/powerpoint/2010/main" val="850563182"/>
+      </p:ext>
+    </p:extLst>
+  </p:cSld>
+  <p:clrMapOvr>
+    <a:masterClrMapping/>
+  </p:clrMapOvr>
+</p:notes>
+</file>
+
+<file path=ppt/notesSlides/notesSlide8.xml><?xml version="1.0" encoding="utf-8"?>
+<p:notes xmlns:a="http://schemas.openxmlformats.org/drawingml/2006/main" xmlns:r="http://schemas.openxmlformats.org/officeDocument/2006/relationships" xmlns:p="http://schemas.openxmlformats.org/presentationml/2006/main">
+  <p:cSld>
+    <p:spTree>
+      <p:nvGrpSpPr>
+        <p:cNvPr id="1" name=""/>
+        <p:cNvGrpSpPr/>
+        <p:nvPr/>
+      </p:nvGrpSpPr>
+      <p:grpSpPr>
+        <a:xfrm>
+          <a:off x="0" y="0"/>
+          <a:ext cx="0" cy="0"/>
+          <a:chOff x="0" y="0"/>
+          <a:chExt cx="0" cy="0"/>
+        </a:xfrm>
+      </p:grpSpPr>
+      <p:sp>
+        <p:nvSpPr>
+          <p:cNvPr id="2" name="Slide Image Placeholder 1"/>
+          <p:cNvSpPr>
+            <a:spLocks noGrp="1" noRot="1" noChangeAspect="1"/>
+          </p:cNvSpPr>
+          <p:nvPr>
+            <p:ph type="sldImg"/>
+          </p:nvPr>
+        </p:nvSpPr>
+        <p:spPr/>
+      </p:sp>
+      <p:sp>
+        <p:nvSpPr>
+          <p:cNvPr id="3" name="Notes Placeholder 2"/>
+          <p:cNvSpPr>
+            <a:spLocks noGrp="1"/>
+          </p:cNvSpPr>
+          <p:nvPr>
+            <p:ph type="body" idx="1"/>
+          </p:nvPr>
+        </p:nvSpPr>
+        <p:spPr/>
+        <p:txBody>
+          <a:bodyPr/>
+          <a:lstStyle/>
+          <a:p>
+            <a:pPr marL="0" marR="0" indent="0" algn="l" defTabSz="914400" rtl="0" eaLnBrk="1" fontAlgn="auto" latinLnBrk="0" hangingPunct="1">
+              <a:lnSpc>
+                <a:spcPct val="100000"/>
+              </a:lnSpc>
+              <a:spcBef>
+                <a:spcPts val="0"/>
+              </a:spcBef>
+              <a:spcAft>
+                <a:spcPts val="0"/>
+              </a:spcAft>
+              <a:buClrTx/>
+              <a:buSzTx/>
+              <a:buFontTx/>
+              <a:buNone/>
+              <a:tabLst/>
+              <a:defRPr/>
+            </a:pPr>
+            <a:r>
+              <a:rPr lang="en-US" dirty="0" smtClean="0"/>
+              <a:t>https://ap-southeast-1.console.aws.amazon.com/codedeploy/home?region=ap-southeast-1#/applications/CDC-deploy/deployment-groups/new</a:t>
+            </a:r>
+          </a:p>
+          <a:p>
+            <a:endParaRPr lang="en-US" dirty="0"/>
+          </a:p>
+        </p:txBody>
+      </p:sp>
+      <p:sp>
+        <p:nvSpPr>
+          <p:cNvPr id="4" name="Slide Number Placeholder 3"/>
+          <p:cNvSpPr>
+            <a:spLocks noGrp="1"/>
+          </p:cNvSpPr>
+          <p:nvPr>
+            <p:ph type="sldNum" sz="quarter" idx="10"/>
+          </p:nvPr>
+        </p:nvSpPr>
+        <p:spPr/>
+        <p:txBody>
+          <a:bodyPr/>
+          <a:lstStyle/>
+          <a:p>
+            <a:fld id="{7959948B-77FA-4B75-B65F-C5051F11C89F}" type="slidenum">
+              <a:rPr lang="en-US" smtClean="0"/>
+              <a:t>11</a:t>
             </a:fld>
             <a:endParaRPr lang="en-US"/>
           </a:p>
@@ -3379,7 +3464,7 @@
           <a:p>
             <a:r>
               <a:rPr lang="en-US" dirty="0" smtClean="0"/>
-              <a:t>Create Deployment Group</a:t>
+              <a:t>Preparing Instance</a:t>
             </a:r>
             <a:endParaRPr lang="en-US" dirty="0"/>
           </a:p>
@@ -3387,7 +3472,7 @@
       </p:sp>
       <p:pic>
         <p:nvPicPr>
-          <p:cNvPr id="5" name="Picture 4"/>
+          <p:cNvPr id="9" name="Picture 8"/>
           <p:cNvPicPr>
             <a:picLocks noChangeAspect="1"/>
           </p:cNvPicPr>
@@ -3401,8 +3486,8 @@
         </p:blipFill>
         <p:spPr>
           <a:xfrm>
-            <a:off x="272345" y="896910"/>
-            <a:ext cx="5676935" cy="3696609"/>
+            <a:off x="404664" y="843558"/>
+            <a:ext cx="6234704" cy="3096344"/>
           </a:xfrm>
           <a:prstGeom prst="rect">
             <a:avLst/>
@@ -3411,14 +3496,53 @@
       </p:pic>
       <p:sp>
         <p:nvSpPr>
-          <p:cNvPr id="6" name="TextBox 5"/>
+          <p:cNvPr id="11" name="Oval 10"/>
+          <p:cNvSpPr/>
+          <p:nvPr/>
+        </p:nvSpPr>
+        <p:spPr>
+          <a:xfrm>
+            <a:off x="1196752" y="2499742"/>
+            <a:ext cx="2880320" cy="432048"/>
+          </a:xfrm>
+          <a:prstGeom prst="ellipse">
+            <a:avLst/>
+          </a:prstGeom>
+          <a:noFill/>
+        </p:spPr>
+        <p:style>
+          <a:lnRef idx="2">
+            <a:schemeClr val="accent6"/>
+          </a:lnRef>
+          <a:fillRef idx="1">
+            <a:schemeClr val="lt1"/>
+          </a:fillRef>
+          <a:effectRef idx="0">
+            <a:schemeClr val="accent6"/>
+          </a:effectRef>
+          <a:fontRef idx="minor">
+            <a:schemeClr val="dk1"/>
+          </a:fontRef>
+        </p:style>
+        <p:txBody>
+          <a:bodyPr rtlCol="0" anchor="ctr"/>
+          <a:lstStyle/>
+          <a:p>
+            <a:pPr algn="ctr"/>
+            <a:endParaRPr lang="en-US"/>
+          </a:p>
+        </p:txBody>
+      </p:sp>
+      <p:sp>
+        <p:nvSpPr>
+          <p:cNvPr id="3" name="TextBox 2"/>
           <p:cNvSpPr txBox="1"/>
           <p:nvPr/>
         </p:nvSpPr>
         <p:spPr>
           <a:xfrm>
-            <a:off x="4077072" y="4209667"/>
-            <a:ext cx="1995803" cy="276999"/>
+            <a:off x="260648" y="3941643"/>
+            <a:ext cx="6407927" cy="646331"/>
           </a:xfrm>
           <a:prstGeom prst="rect">
             <a:avLst/>
@@ -3426,77 +3550,39 @@
           <a:noFill/>
         </p:spPr>
         <p:txBody>
-          <a:bodyPr wrap="none" rtlCol="0">
+          <a:bodyPr wrap="square" rtlCol="0">
             <a:spAutoFit/>
           </a:bodyPr>
           <a:lstStyle/>
           <a:p>
             <a:r>
-              <a:rPr lang="en-US" sz="1200" dirty="0" smtClean="0">
-                <a:solidFill>
-                  <a:schemeClr val="tx2">
-                    <a:lumMod val="75000"/>
-                  </a:schemeClr>
-                </a:solidFill>
-              </a:rPr>
-              <a:t>IAM Role that created before</a:t>
-            </a:r>
-            <a:endParaRPr lang="en-US" sz="1200" dirty="0">
-              <a:solidFill>
-                <a:schemeClr val="tx2">
-                  <a:lumMod val="75000"/>
-                </a:schemeClr>
-              </a:solidFill>
-            </a:endParaRPr>
-          </a:p>
-        </p:txBody>
-      </p:sp>
-      <p:sp>
-        <p:nvSpPr>
-          <p:cNvPr id="7" name="TextBox 6"/>
-          <p:cNvSpPr txBox="1"/>
-          <p:nvPr/>
-        </p:nvSpPr>
-        <p:spPr>
-          <a:xfrm>
-            <a:off x="3789040" y="1563638"/>
-            <a:ext cx="2336537" cy="276999"/>
-          </a:xfrm>
-          <a:prstGeom prst="rect">
-            <a:avLst/>
-          </a:prstGeom>
-          <a:noFill/>
-        </p:spPr>
-        <p:txBody>
-          <a:bodyPr wrap="none" rtlCol="0">
-            <a:spAutoFit/>
-          </a:bodyPr>
-          <a:lstStyle/>
-          <a:p>
-            <a:r>
-              <a:rPr lang="en-US" sz="1200" dirty="0" smtClean="0">
-                <a:solidFill>
-                  <a:schemeClr val="tx2">
-                    <a:lumMod val="75000"/>
-                  </a:schemeClr>
-                </a:solidFill>
-              </a:rPr>
-              <a:t>Instance that will be deployed into</a:t>
-            </a:r>
-            <a:endParaRPr lang="en-US" sz="1200" dirty="0">
-              <a:solidFill>
-                <a:schemeClr val="tx2">
-                  <a:lumMod val="75000"/>
-                </a:schemeClr>
-              </a:solidFill>
-            </a:endParaRPr>
+              <a:rPr lang="en-US" dirty="0" smtClean="0"/>
+              <a:t>After the instance is </a:t>
+            </a:r>
+            <a:r>
+              <a:rPr lang="en-US" dirty="0" err="1" smtClean="0"/>
+              <a:t>cretead</a:t>
+            </a:r>
+            <a:r>
+              <a:rPr lang="en-US" dirty="0" smtClean="0"/>
+              <a:t>, the you need to install AWS </a:t>
+            </a:r>
+            <a:r>
+              <a:rPr lang="en-US" dirty="0" err="1" smtClean="0"/>
+              <a:t>Codedeploy</a:t>
+            </a:r>
+            <a:r>
+              <a:rPr lang="en-US" dirty="0" smtClean="0"/>
+              <a:t> agent</a:t>
+            </a:r>
+            <a:endParaRPr lang="en-US" dirty="0"/>
           </a:p>
         </p:txBody>
       </p:sp>
     </p:spTree>
     <p:extLst>
       <p:ext uri="{BB962C8B-B14F-4D97-AF65-F5344CB8AC3E}">
-        <p14:creationId xmlns:p14="http://schemas.microsoft.com/office/powerpoint/2010/main" val="614904575"/>
+        <p14:creationId xmlns:p14="http://schemas.microsoft.com/office/powerpoint/2010/main" val="2527282062"/>
       </p:ext>
     </p:extLst>
   </p:cSld>
@@ -3535,24 +3621,46 @@
         </p:nvSpPr>
         <p:spPr>
           <a:xfrm>
-            <a:off x="188640" y="195486"/>
+            <a:off x="260648" y="267494"/>
             <a:ext cx="4114800" cy="425054"/>
           </a:xfrm>
         </p:spPr>
         <p:txBody>
-          <a:bodyPr>
-            <a:normAutofit/>
-          </a:bodyPr>
+          <a:bodyPr/>
           <a:lstStyle/>
           <a:p>
             <a:r>
-              <a:rPr lang="en-US" dirty="0" err="1" smtClean="0"/>
-              <a:t>Jenkinsfile</a:t>
+              <a:rPr lang="en-US" dirty="0" smtClean="0"/>
+              <a:t>Create Deployment Group</a:t>
             </a:r>
             <a:endParaRPr lang="en-US" dirty="0"/>
           </a:p>
         </p:txBody>
       </p:sp>
+      <p:pic>
+        <p:nvPicPr>
+          <p:cNvPr id="5" name="Picture 4"/>
+          <p:cNvPicPr>
+            <a:picLocks noChangeAspect="1"/>
+          </p:cNvPicPr>
+          <p:nvPr/>
+        </p:nvPicPr>
+        <p:blipFill>
+          <a:blip r:embed="rId3"/>
+          <a:stretch>
+            <a:fillRect/>
+          </a:stretch>
+        </p:blipFill>
+        <p:spPr>
+          <a:xfrm>
+            <a:off x="272345" y="896910"/>
+            <a:ext cx="5676935" cy="3696609"/>
+          </a:xfrm>
+          <a:prstGeom prst="rect">
+            <a:avLst/>
+          </a:prstGeom>
+        </p:spPr>
+      </p:pic>
       <p:sp>
         <p:nvSpPr>
           <p:cNvPr id="6" name="TextBox 5"/>
@@ -3561,8 +3669,8 @@
         </p:nvSpPr>
         <p:spPr>
           <a:xfrm>
-            <a:off x="260648" y="915566"/>
-            <a:ext cx="6264696" cy="3416320"/>
+            <a:off x="4077072" y="4209667"/>
+            <a:ext cx="1995803" cy="276999"/>
           </a:xfrm>
           <a:prstGeom prst="rect">
             <a:avLst/>
@@ -3570,185 +3678,77 @@
           <a:noFill/>
         </p:spPr>
         <p:txBody>
-          <a:bodyPr wrap="square" rtlCol="0">
+          <a:bodyPr wrap="none" rtlCol="0">
             <a:spAutoFit/>
           </a:bodyPr>
           <a:lstStyle/>
           <a:p>
-            <a:pPr marL="285750" indent="-285750">
-              <a:buFont typeface="Arial" panose="020B0604020202020204" pitchFamily="34" charset="0"/>
-              <a:buChar char="•"/>
-            </a:pPr>
-            <a:r>
-              <a:rPr lang="en-US" dirty="0" smtClean="0"/>
-              <a:t>Push to S3</a:t>
-            </a:r>
-            <a:r>
-              <a:rPr lang="en-US" dirty="0"/>
-              <a:t/>
-            </a:r>
-            <a:br>
-              <a:rPr lang="en-US" dirty="0"/>
-            </a:br>
-            <a:r>
-              <a:rPr lang="en-US" dirty="0" smtClean="0"/>
-              <a:t>“</a:t>
-            </a:r>
-            <a:r>
-              <a:rPr lang="en-US" dirty="0" err="1" smtClean="0"/>
-              <a:t>aws</a:t>
-            </a:r>
-            <a:r>
-              <a:rPr lang="en-US" dirty="0" smtClean="0"/>
-              <a:t> </a:t>
-            </a:r>
-            <a:r>
-              <a:rPr lang="en-US" dirty="0"/>
-              <a:t>deploy push </a:t>
-            </a:r>
-            <a:r>
-              <a:rPr lang="en-US" dirty="0" smtClean="0"/>
-              <a:t/>
-            </a:r>
-            <a:br>
-              <a:rPr lang="en-US" dirty="0" smtClean="0"/>
-            </a:br>
-            <a:r>
-              <a:rPr lang="en-US" dirty="0" smtClean="0"/>
-              <a:t>--</a:t>
-            </a:r>
-            <a:r>
-              <a:rPr lang="en-US" dirty="0"/>
-              <a:t>application-name ${</a:t>
-            </a:r>
-            <a:r>
-              <a:rPr lang="en-US" dirty="0" err="1"/>
-              <a:t>applicationName</a:t>
-            </a:r>
-            <a:r>
-              <a:rPr lang="en-US" dirty="0"/>
-              <a:t>} </a:t>
-            </a:r>
-            <a:r>
-              <a:rPr lang="en-US" dirty="0" smtClean="0"/>
-              <a:t/>
-            </a:r>
-            <a:br>
-              <a:rPr lang="en-US" dirty="0" smtClean="0"/>
-            </a:br>
-            <a:r>
-              <a:rPr lang="en-US" dirty="0" smtClean="0"/>
-              <a:t>--</a:t>
-            </a:r>
-            <a:r>
-              <a:rPr lang="en-US" dirty="0"/>
-              <a:t>description '${description}' </a:t>
-            </a:r>
-            <a:r>
-              <a:rPr lang="en-US" dirty="0" smtClean="0"/>
-              <a:t/>
-            </a:r>
-            <a:br>
-              <a:rPr lang="en-US" dirty="0" smtClean="0"/>
-            </a:br>
-            <a:r>
-              <a:rPr lang="en-US" dirty="0" smtClean="0"/>
-              <a:t>--</a:t>
-            </a:r>
-            <a:r>
-              <a:rPr lang="en-US" dirty="0"/>
-              <a:t>ignore-hidden-files </a:t>
-            </a:r>
-            <a:r>
-              <a:rPr lang="en-US" dirty="0" smtClean="0"/>
-              <a:t/>
-            </a:r>
-            <a:br>
-              <a:rPr lang="en-US" dirty="0" smtClean="0"/>
-            </a:br>
-            <a:r>
-              <a:rPr lang="en-US" dirty="0" smtClean="0"/>
-              <a:t>--</a:t>
-            </a:r>
-            <a:r>
-              <a:rPr lang="en-US" dirty="0"/>
-              <a:t>s3-location s3</a:t>
-            </a:r>
-            <a:r>
-              <a:rPr lang="en-US" dirty="0" smtClean="0"/>
-              <a:t>://${yourS3location} </a:t>
-            </a:r>
-            <a:br>
-              <a:rPr lang="en-US" dirty="0" smtClean="0"/>
-            </a:br>
-            <a:r>
-              <a:rPr lang="en-US" dirty="0" smtClean="0"/>
-              <a:t>--</a:t>
-            </a:r>
-            <a:r>
-              <a:rPr lang="en-US" dirty="0"/>
-              <a:t>source </a:t>
-            </a:r>
-            <a:r>
-              <a:rPr lang="en-US" dirty="0" smtClean="0"/>
-              <a:t>${</a:t>
-            </a:r>
-            <a:r>
-              <a:rPr lang="en-US" dirty="0" err="1" smtClean="0"/>
-              <a:t>yourdeployable</a:t>
-            </a:r>
-            <a:r>
-              <a:rPr lang="en-US" dirty="0" smtClean="0"/>
-              <a:t> content} </a:t>
-            </a:r>
-            <a:r>
-              <a:rPr lang="en-US" dirty="0"/>
-              <a:t>&gt; .</a:t>
-            </a:r>
-            <a:r>
-              <a:rPr lang="en-US" dirty="0" err="1" smtClean="0"/>
-              <a:t>deployment_command</a:t>
-            </a:r>
-            <a:r>
-              <a:rPr lang="en-US" dirty="0" smtClean="0"/>
-              <a:t>”</a:t>
-            </a:r>
-          </a:p>
-          <a:p>
-            <a:pPr marL="285750" indent="-285750">
-              <a:buFont typeface="Arial" panose="020B0604020202020204" pitchFamily="34" charset="0"/>
-              <a:buChar char="•"/>
-            </a:pPr>
-            <a:endParaRPr lang="en-US" dirty="0"/>
-          </a:p>
-          <a:p>
-            <a:pPr marL="285750" indent="-285750">
-              <a:buFont typeface="Arial" panose="020B0604020202020204" pitchFamily="34" charset="0"/>
-              <a:buChar char="•"/>
-            </a:pPr>
-            <a:r>
-              <a:rPr lang="en-US" dirty="0" smtClean="0"/>
-              <a:t>You will get the deployment command in file ‘.</a:t>
-            </a:r>
-            <a:r>
-              <a:rPr lang="en-US" dirty="0" err="1" smtClean="0"/>
-              <a:t>deployment_command</a:t>
-            </a:r>
-            <a:r>
-              <a:rPr lang="en-US" dirty="0" smtClean="0"/>
-              <a:t>’</a:t>
-            </a:r>
-            <a:br>
-              <a:rPr lang="en-US" dirty="0" smtClean="0"/>
-            </a:br>
-            <a:endParaRPr lang="en-US" dirty="0"/>
+            <a:r>
+              <a:rPr lang="en-US" sz="1200" dirty="0" smtClean="0">
+                <a:solidFill>
+                  <a:schemeClr val="tx2">
+                    <a:lumMod val="75000"/>
+                  </a:schemeClr>
+                </a:solidFill>
+              </a:rPr>
+              <a:t>IAM Role that created before</a:t>
+            </a:r>
+            <a:endParaRPr lang="en-US" sz="1200" dirty="0">
+              <a:solidFill>
+                <a:schemeClr val="tx2">
+                  <a:lumMod val="75000"/>
+                </a:schemeClr>
+              </a:solidFill>
+            </a:endParaRPr>
+          </a:p>
+        </p:txBody>
+      </p:sp>
+      <p:sp>
+        <p:nvSpPr>
+          <p:cNvPr id="7" name="TextBox 6"/>
+          <p:cNvSpPr txBox="1"/>
+          <p:nvPr/>
+        </p:nvSpPr>
+        <p:spPr>
+          <a:xfrm>
+            <a:off x="3789040" y="1563638"/>
+            <a:ext cx="2336537" cy="276999"/>
+          </a:xfrm>
+          <a:prstGeom prst="rect">
+            <a:avLst/>
+          </a:prstGeom>
+          <a:noFill/>
+        </p:spPr>
+        <p:txBody>
+          <a:bodyPr wrap="none" rtlCol="0">
+            <a:spAutoFit/>
+          </a:bodyPr>
+          <a:lstStyle/>
+          <a:p>
+            <a:r>
+              <a:rPr lang="en-US" sz="1200" dirty="0" smtClean="0">
+                <a:solidFill>
+                  <a:schemeClr val="tx2">
+                    <a:lumMod val="75000"/>
+                  </a:schemeClr>
+                </a:solidFill>
+              </a:rPr>
+              <a:t>Instance that will be deployed into</a:t>
+            </a:r>
+            <a:endParaRPr lang="en-US" sz="1200" dirty="0">
+              <a:solidFill>
+                <a:schemeClr val="tx2">
+                  <a:lumMod val="75000"/>
+                </a:schemeClr>
+              </a:solidFill>
+            </a:endParaRPr>
           </a:p>
         </p:txBody>
       </p:sp>
     </p:spTree>
     <p:extLst>
       <p:ext uri="{BB962C8B-B14F-4D97-AF65-F5344CB8AC3E}">
-        <p14:creationId xmlns:p14="http://schemas.microsoft.com/office/powerpoint/2010/main" val="3002689209"/>
+        <p14:creationId xmlns:p14="http://schemas.microsoft.com/office/powerpoint/2010/main" val="614904575"/>
       </p:ext>
     </p:extLst>
   </p:cSld>
@@ -3814,6 +3814,258 @@
         <p:spPr>
           <a:xfrm>
             <a:off x="260648" y="915566"/>
+            <a:ext cx="6264696" cy="3416320"/>
+          </a:xfrm>
+          <a:prstGeom prst="rect">
+            <a:avLst/>
+          </a:prstGeom>
+          <a:noFill/>
+        </p:spPr>
+        <p:txBody>
+          <a:bodyPr wrap="square" rtlCol="0">
+            <a:spAutoFit/>
+          </a:bodyPr>
+          <a:lstStyle/>
+          <a:p>
+            <a:pPr marL="285750" indent="-285750">
+              <a:buFont typeface="Arial" panose="020B0604020202020204" pitchFamily="34" charset="0"/>
+              <a:buChar char="•"/>
+            </a:pPr>
+            <a:r>
+              <a:rPr lang="en-US" dirty="0" smtClean="0"/>
+              <a:t>Push to S3</a:t>
+            </a:r>
+            <a:r>
+              <a:rPr lang="en-US" dirty="0"/>
+              <a:t/>
+            </a:r>
+            <a:br>
+              <a:rPr lang="en-US" dirty="0"/>
+            </a:br>
+            <a:r>
+              <a:rPr lang="en-US" dirty="0" smtClean="0"/>
+              <a:t>“</a:t>
+            </a:r>
+            <a:r>
+              <a:rPr lang="en-US" dirty="0" err="1" smtClean="0"/>
+              <a:t>aws</a:t>
+            </a:r>
+            <a:r>
+              <a:rPr lang="en-US" dirty="0" smtClean="0"/>
+              <a:t> </a:t>
+            </a:r>
+            <a:r>
+              <a:rPr lang="en-US" dirty="0"/>
+              <a:t>deploy push </a:t>
+            </a:r>
+            <a:r>
+              <a:rPr lang="en-US" dirty="0" smtClean="0"/>
+              <a:t/>
+            </a:r>
+            <a:br>
+              <a:rPr lang="en-US" dirty="0" smtClean="0"/>
+            </a:br>
+            <a:r>
+              <a:rPr lang="en-US" dirty="0" smtClean="0"/>
+              <a:t>--</a:t>
+            </a:r>
+            <a:r>
+              <a:rPr lang="en-US" dirty="0"/>
+              <a:t>application-name ${</a:t>
+            </a:r>
+            <a:r>
+              <a:rPr lang="en-US" dirty="0" err="1"/>
+              <a:t>applicationName</a:t>
+            </a:r>
+            <a:r>
+              <a:rPr lang="en-US" dirty="0"/>
+              <a:t>} </a:t>
+            </a:r>
+            <a:r>
+              <a:rPr lang="en-US" dirty="0" smtClean="0"/>
+              <a:t/>
+            </a:r>
+            <a:br>
+              <a:rPr lang="en-US" dirty="0" smtClean="0"/>
+            </a:br>
+            <a:r>
+              <a:rPr lang="en-US" dirty="0" smtClean="0"/>
+              <a:t>--</a:t>
+            </a:r>
+            <a:r>
+              <a:rPr lang="en-US" dirty="0"/>
+              <a:t>description '${description}' </a:t>
+            </a:r>
+            <a:r>
+              <a:rPr lang="en-US" dirty="0" smtClean="0"/>
+              <a:t/>
+            </a:r>
+            <a:br>
+              <a:rPr lang="en-US" dirty="0" smtClean="0"/>
+            </a:br>
+            <a:r>
+              <a:rPr lang="en-US" dirty="0" smtClean="0"/>
+              <a:t>--</a:t>
+            </a:r>
+            <a:r>
+              <a:rPr lang="en-US" dirty="0"/>
+              <a:t>ignore-hidden-files </a:t>
+            </a:r>
+            <a:r>
+              <a:rPr lang="en-US" dirty="0" smtClean="0"/>
+              <a:t/>
+            </a:r>
+            <a:br>
+              <a:rPr lang="en-US" dirty="0" smtClean="0"/>
+            </a:br>
+            <a:r>
+              <a:rPr lang="en-US" dirty="0" smtClean="0"/>
+              <a:t>--</a:t>
+            </a:r>
+            <a:r>
+              <a:rPr lang="en-US" dirty="0"/>
+              <a:t>s3-location s3</a:t>
+            </a:r>
+            <a:r>
+              <a:rPr lang="en-US" dirty="0" smtClean="0"/>
+              <a:t>://${yourS3location} </a:t>
+            </a:r>
+            <a:br>
+              <a:rPr lang="en-US" dirty="0" smtClean="0"/>
+            </a:br>
+            <a:r>
+              <a:rPr lang="en-US" dirty="0" smtClean="0"/>
+              <a:t>--</a:t>
+            </a:r>
+            <a:r>
+              <a:rPr lang="en-US" dirty="0"/>
+              <a:t>source </a:t>
+            </a:r>
+            <a:r>
+              <a:rPr lang="en-US" dirty="0" smtClean="0"/>
+              <a:t>${</a:t>
+            </a:r>
+            <a:r>
+              <a:rPr lang="en-US" dirty="0" err="1" smtClean="0"/>
+              <a:t>yourdeployable</a:t>
+            </a:r>
+            <a:r>
+              <a:rPr lang="en-US" dirty="0" smtClean="0"/>
+              <a:t> content} </a:t>
+            </a:r>
+            <a:r>
+              <a:rPr lang="en-US" dirty="0"/>
+              <a:t>&gt; .</a:t>
+            </a:r>
+            <a:r>
+              <a:rPr lang="en-US" dirty="0" err="1" smtClean="0"/>
+              <a:t>deployment_command</a:t>
+            </a:r>
+            <a:r>
+              <a:rPr lang="en-US" dirty="0" smtClean="0"/>
+              <a:t>”</a:t>
+            </a:r>
+          </a:p>
+          <a:p>
+            <a:pPr marL="285750" indent="-285750">
+              <a:buFont typeface="Arial" panose="020B0604020202020204" pitchFamily="34" charset="0"/>
+              <a:buChar char="•"/>
+            </a:pPr>
+            <a:endParaRPr lang="en-US" dirty="0"/>
+          </a:p>
+          <a:p>
+            <a:pPr marL="285750" indent="-285750">
+              <a:buFont typeface="Arial" panose="020B0604020202020204" pitchFamily="34" charset="0"/>
+              <a:buChar char="•"/>
+            </a:pPr>
+            <a:r>
+              <a:rPr lang="en-US" dirty="0" smtClean="0"/>
+              <a:t>You will get the deployment command in file ‘.</a:t>
+            </a:r>
+            <a:r>
+              <a:rPr lang="en-US" dirty="0" err="1" smtClean="0"/>
+              <a:t>deployment_command</a:t>
+            </a:r>
+            <a:r>
+              <a:rPr lang="en-US" dirty="0" smtClean="0"/>
+              <a:t>’</a:t>
+            </a:r>
+            <a:br>
+              <a:rPr lang="en-US" dirty="0" smtClean="0"/>
+            </a:br>
+            <a:endParaRPr lang="en-US" dirty="0"/>
+          </a:p>
+        </p:txBody>
+      </p:sp>
+    </p:spTree>
+    <p:extLst>
+      <p:ext uri="{BB962C8B-B14F-4D97-AF65-F5344CB8AC3E}">
+        <p14:creationId xmlns:p14="http://schemas.microsoft.com/office/powerpoint/2010/main" val="3002689209"/>
+      </p:ext>
+    </p:extLst>
+  </p:cSld>
+  <p:clrMapOvr>
+    <a:masterClrMapping/>
+  </p:clrMapOvr>
+</p:sld>
+</file>
+
+<file path=ppt/slides/slide13.xml><?xml version="1.0" encoding="utf-8"?>
+<p:sld xmlns:a="http://schemas.openxmlformats.org/drawingml/2006/main" xmlns:r="http://schemas.openxmlformats.org/officeDocument/2006/relationships" xmlns:p="http://schemas.openxmlformats.org/presentationml/2006/main">
+  <p:cSld>
+    <p:spTree>
+      <p:nvGrpSpPr>
+        <p:cNvPr id="1" name=""/>
+        <p:cNvGrpSpPr/>
+        <p:nvPr/>
+      </p:nvGrpSpPr>
+      <p:grpSpPr>
+        <a:xfrm>
+          <a:off x="0" y="0"/>
+          <a:ext cx="0" cy="0"/>
+          <a:chOff x="0" y="0"/>
+          <a:chExt cx="0" cy="0"/>
+        </a:xfrm>
+      </p:grpSpPr>
+      <p:sp>
+        <p:nvSpPr>
+          <p:cNvPr id="2" name="Title 1"/>
+          <p:cNvSpPr>
+            <a:spLocks noGrp="1"/>
+          </p:cNvSpPr>
+          <p:nvPr>
+            <p:ph type="title"/>
+          </p:nvPr>
+        </p:nvSpPr>
+        <p:spPr>
+          <a:xfrm>
+            <a:off x="188640" y="195486"/>
+            <a:ext cx="4114800" cy="425054"/>
+          </a:xfrm>
+        </p:spPr>
+        <p:txBody>
+          <a:bodyPr>
+            <a:normAutofit/>
+          </a:bodyPr>
+          <a:lstStyle/>
+          <a:p>
+            <a:r>
+              <a:rPr lang="en-US" dirty="0" err="1" smtClean="0"/>
+              <a:t>Jenkinsfile</a:t>
+            </a:r>
+            <a:endParaRPr lang="en-US" dirty="0"/>
+          </a:p>
+        </p:txBody>
+      </p:sp>
+      <p:sp>
+        <p:nvSpPr>
+          <p:cNvPr id="6" name="TextBox 5"/>
+          <p:cNvSpPr txBox="1"/>
+          <p:nvPr/>
+        </p:nvSpPr>
+        <p:spPr>
+          <a:xfrm>
+            <a:off x="260648" y="915566"/>
             <a:ext cx="6264696" cy="2862322"/>
           </a:xfrm>
           <a:prstGeom prst="rect">
@@ -3989,7 +4241,7 @@
 </p:sld>
 </file>
 
-<file path=ppt/slides/slide13.xml><?xml version="1.0" encoding="utf-8"?>
+<file path=ppt/slides/slide14.xml><?xml version="1.0" encoding="utf-8"?>
 <p:sld xmlns:a="http://schemas.openxmlformats.org/drawingml/2006/main" xmlns:r="http://schemas.openxmlformats.org/officeDocument/2006/relationships" xmlns:p="http://schemas.openxmlformats.org/presentationml/2006/main">
   <p:cSld>
     <p:spTree>
@@ -4412,180 +4664,96 @@
       </p:grpSpPr>
       <p:sp>
         <p:nvSpPr>
-          <p:cNvPr id="6" name="TextBox 5"/>
-          <p:cNvSpPr txBox="1"/>
-          <p:nvPr/>
-        </p:nvSpPr>
-        <p:spPr>
-          <a:xfrm>
-            <a:off x="322176" y="835137"/>
-            <a:ext cx="6192688" cy="2031325"/>
-          </a:xfrm>
-          <a:prstGeom prst="rect">
-            <a:avLst/>
-          </a:prstGeom>
-          <a:noFill/>
-        </p:spPr>
-        <p:txBody>
-          <a:bodyPr wrap="square" rtlCol="0">
-            <a:spAutoFit/>
-          </a:bodyPr>
+          <p:cNvPr id="2" name="Title 1"/>
+          <p:cNvSpPr>
+            <a:spLocks noGrp="1"/>
+          </p:cNvSpPr>
+          <p:nvPr>
+            <p:ph type="title"/>
+          </p:nvPr>
+        </p:nvSpPr>
+        <p:spPr/>
+        <p:txBody>
+          <a:bodyPr/>
           <a:lstStyle/>
           <a:p>
             <a:r>
-              <a:rPr lang="en-ID" dirty="0" smtClean="0">
-                <a:sym typeface="Wingdings" panose="05000000000000000000" pitchFamily="2" charset="2"/>
-              </a:rPr>
-              <a:t>Prerequisite :</a:t>
-            </a:r>
-          </a:p>
-          <a:p>
-            <a:pPr marL="285750" indent="-285750">
-              <a:buFont typeface="Arial" panose="020B0604020202020204" pitchFamily="34" charset="0"/>
-              <a:buChar char="•"/>
-            </a:pPr>
-            <a:r>
-              <a:rPr lang="en-ID" dirty="0" smtClean="0">
-                <a:sym typeface="Wingdings" panose="05000000000000000000" pitchFamily="2" charset="2"/>
-              </a:rPr>
-              <a:t>Jenkins</a:t>
-            </a:r>
-          </a:p>
-          <a:p>
-            <a:pPr marL="285750" indent="-285750">
-              <a:buFont typeface="Arial" panose="020B0604020202020204" pitchFamily="34" charset="0"/>
-              <a:buChar char="•"/>
-            </a:pPr>
-            <a:r>
-              <a:rPr lang="en-ID" dirty="0" smtClean="0">
-                <a:sym typeface="Wingdings" panose="05000000000000000000" pitchFamily="2" charset="2"/>
-              </a:rPr>
-              <a:t>AWS cli</a:t>
-            </a:r>
-          </a:p>
-          <a:p>
-            <a:pPr marL="285750" indent="-285750">
-              <a:buFont typeface="Arial" panose="020B0604020202020204" pitchFamily="34" charset="0"/>
-              <a:buChar char="•"/>
-            </a:pPr>
-            <a:r>
-              <a:rPr lang="en-ID" dirty="0" smtClean="0">
-                <a:sym typeface="Wingdings" panose="05000000000000000000" pitchFamily="2" charset="2"/>
-              </a:rPr>
-              <a:t>GIT</a:t>
-            </a:r>
-          </a:p>
-          <a:p>
-            <a:pPr marL="285750" indent="-285750">
-              <a:buFont typeface="Arial" panose="020B0604020202020204" pitchFamily="34" charset="0"/>
-              <a:buChar char="•"/>
-            </a:pPr>
-            <a:r>
-              <a:rPr lang="en-ID" dirty="0" smtClean="0">
-                <a:sym typeface="Wingdings" panose="05000000000000000000" pitchFamily="2" charset="2"/>
-              </a:rPr>
+              <a:rPr lang="en-US" dirty="0" smtClean="0"/>
               <a:t>AWS </a:t>
             </a:r>
-          </a:p>
-          <a:p>
-            <a:pPr marL="285750" indent="-285750">
-              <a:buFont typeface="Arial" panose="020B0604020202020204" pitchFamily="34" charset="0"/>
-              <a:buChar char="•"/>
-            </a:pPr>
-            <a:endParaRPr lang="en-ID" dirty="0" smtClean="0"/>
-          </a:p>
-          <a:p>
+            <a:r>
+              <a:rPr lang="en-US" dirty="0" err="1" smtClean="0"/>
+              <a:t>CodeDeploy</a:t>
+            </a:r>
             <a:endParaRPr lang="en-US" dirty="0"/>
           </a:p>
         </p:txBody>
       </p:sp>
       <p:sp>
         <p:nvSpPr>
-          <p:cNvPr id="7" name="TextBox 6"/>
-          <p:cNvSpPr txBox="1"/>
-          <p:nvPr/>
-        </p:nvSpPr>
-        <p:spPr>
-          <a:xfrm>
-            <a:off x="332656" y="195486"/>
-            <a:ext cx="6192688" cy="369332"/>
-          </a:xfrm>
-          <a:prstGeom prst="rect">
-            <a:avLst/>
-          </a:prstGeom>
-          <a:noFill/>
-        </p:spPr>
-        <p:txBody>
-          <a:bodyPr wrap="square" rtlCol="0">
-            <a:spAutoFit/>
-          </a:bodyPr>
+          <p:cNvPr id="3" name="Content Placeholder 2"/>
+          <p:cNvSpPr>
+            <a:spLocks noGrp="1"/>
+          </p:cNvSpPr>
+          <p:nvPr>
+            <p:ph idx="1"/>
+          </p:nvPr>
+        </p:nvSpPr>
+        <p:spPr/>
+        <p:txBody>
+          <a:bodyPr/>
           <a:lstStyle/>
           <a:p>
             <a:r>
-              <a:rPr lang="en-ID" b="1" dirty="0" smtClean="0">
-                <a:solidFill>
-                  <a:srgbClr val="392900"/>
-                </a:solidFill>
-                <a:latin typeface="Bookman Old Style" panose="02050604050505020204" pitchFamily="18" charset="0"/>
-              </a:rPr>
-              <a:t>CDC – Deploying to AWS</a:t>
-            </a:r>
-            <a:endParaRPr lang="en-US" b="1" dirty="0">
-              <a:solidFill>
-                <a:srgbClr val="392900"/>
-              </a:solidFill>
-              <a:latin typeface="Bookman Old Style" panose="02050604050505020204" pitchFamily="18" charset="0"/>
-            </a:endParaRPr>
-          </a:p>
-        </p:txBody>
-      </p:sp>
-      <p:pic>
-        <p:nvPicPr>
-          <p:cNvPr id="4" name="Picture 3"/>
-          <p:cNvPicPr>
-            <a:picLocks noChangeAspect="1"/>
-          </p:cNvPicPr>
-          <p:nvPr/>
-        </p:nvPicPr>
-        <p:blipFill>
-          <a:blip r:embed="rId3">
-            <a:extLst>
-              <a:ext uri="{28A0092B-C50C-407E-A947-70E740481C1C}">
-                <a14:useLocalDpi xmlns:a14="http://schemas.microsoft.com/office/drawing/2010/main" val="0"/>
-              </a:ext>
-            </a:extLst>
-          </a:blip>
-          <a:stretch>
-            <a:fillRect/>
-          </a:stretch>
-        </p:blipFill>
-        <p:spPr>
-          <a:xfrm>
-            <a:off x="1412776" y="2067694"/>
-            <a:ext cx="3684265" cy="2111327"/>
-          </a:xfrm>
-          <a:prstGeom prst="rect">
-            <a:avLst/>
-          </a:prstGeom>
-        </p:spPr>
-      </p:pic>
+              <a:rPr lang="en-US" dirty="0"/>
+              <a:t>An application can contain deployable content like code, web, and configuration files, executables, packages, scripts, and so on. AWS </a:t>
+            </a:r>
+            <a:r>
+              <a:rPr lang="en-US" dirty="0" err="1"/>
+              <a:t>CodeDeploy</a:t>
+            </a:r>
+            <a:r>
+              <a:rPr lang="en-US" dirty="0"/>
+              <a:t> deploys applications from Amazon S3 buckets and GitHub repositories.</a:t>
+            </a:r>
+          </a:p>
+          <a:p>
+            <a:r>
+              <a:rPr lang="en-US" dirty="0"/>
+              <a:t>You do not need to make changes to your existing code to use AWS </a:t>
+            </a:r>
+            <a:r>
+              <a:rPr lang="en-US" dirty="0" err="1"/>
+              <a:t>CodeDeploy</a:t>
+            </a:r>
+            <a:r>
+              <a:rPr lang="en-US" dirty="0"/>
+              <a:t>. You can use AWS </a:t>
+            </a:r>
+            <a:r>
+              <a:rPr lang="en-US" dirty="0" err="1"/>
+              <a:t>CodeDeploy</a:t>
+            </a:r>
+            <a:r>
+              <a:rPr lang="en-US" dirty="0"/>
+              <a:t> to control the pace of deployment across Amazon EC2 instances and to define the actions to be taken at each stage.</a:t>
+            </a:r>
+          </a:p>
+          <a:p>
+            <a:endParaRPr lang="en-US" dirty="0"/>
+          </a:p>
+        </p:txBody>
+      </p:sp>
     </p:spTree>
     <p:extLst>
       <p:ext uri="{BB962C8B-B14F-4D97-AF65-F5344CB8AC3E}">
-        <p14:creationId xmlns:p14="http://schemas.microsoft.com/office/powerpoint/2010/main" val="2177502961"/>
+        <p14:creationId xmlns:p14="http://schemas.microsoft.com/office/powerpoint/2010/main" val="3303078014"/>
       </p:ext>
     </p:extLst>
   </p:cSld>
   <p:clrMapOvr>
     <a:masterClrMapping/>
   </p:clrMapOvr>
-  <p:timing>
-    <p:tnLst>
-      <p:par>
-        <p:cTn id="1" dur="indefinite" restart="never" nodeType="tmRoot"/>
-      </p:par>
-    </p:tnLst>
-  </p:timing>
 </p:sld>
 </file>
 
@@ -4608,7 +4776,131 @@
       </p:grpSpPr>
       <p:sp>
         <p:nvSpPr>
-          <p:cNvPr id="10" name="TextBox 9"/>
+          <p:cNvPr id="6" name="TextBox 5"/>
+          <p:cNvSpPr txBox="1"/>
+          <p:nvPr/>
+        </p:nvSpPr>
+        <p:spPr>
+          <a:xfrm>
+            <a:off x="322176" y="835137"/>
+            <a:ext cx="6192688" cy="2031325"/>
+          </a:xfrm>
+          <a:prstGeom prst="rect">
+            <a:avLst/>
+          </a:prstGeom>
+          <a:noFill/>
+        </p:spPr>
+        <p:txBody>
+          <a:bodyPr wrap="square" rtlCol="0">
+            <a:spAutoFit/>
+          </a:bodyPr>
+          <a:lstStyle/>
+          <a:p>
+            <a:r>
+              <a:rPr lang="en-ID" dirty="0" smtClean="0">
+                <a:sym typeface="Wingdings" panose="05000000000000000000" pitchFamily="2" charset="2"/>
+              </a:rPr>
+              <a:t>Prerequisite :</a:t>
+            </a:r>
+          </a:p>
+          <a:p>
+            <a:pPr marL="285750" indent="-285750">
+              <a:buFont typeface="Arial" panose="020B0604020202020204" pitchFamily="34" charset="0"/>
+              <a:buChar char="•"/>
+            </a:pPr>
+            <a:r>
+              <a:rPr lang="en-ID" dirty="0" smtClean="0">
+                <a:sym typeface="Wingdings" panose="05000000000000000000" pitchFamily="2" charset="2"/>
+              </a:rPr>
+              <a:t>Jenkins</a:t>
+            </a:r>
+          </a:p>
+          <a:p>
+            <a:pPr marL="285750" indent="-285750">
+              <a:buFont typeface="Arial" panose="020B0604020202020204" pitchFamily="34" charset="0"/>
+              <a:buChar char="•"/>
+            </a:pPr>
+            <a:r>
+              <a:rPr lang="en-ID" dirty="0" smtClean="0">
+                <a:sym typeface="Wingdings" panose="05000000000000000000" pitchFamily="2" charset="2"/>
+              </a:rPr>
+              <a:t>AWS </a:t>
+            </a:r>
+            <a:r>
+              <a:rPr lang="en-ID" dirty="0">
+                <a:sym typeface="Wingdings" panose="05000000000000000000" pitchFamily="2" charset="2"/>
+              </a:rPr>
+              <a:t>cli </a:t>
+            </a:r>
+            <a:r>
+              <a:rPr lang="en-ID" sz="1400" dirty="0">
+                <a:sym typeface="Wingdings" panose="05000000000000000000" pitchFamily="2" charset="2"/>
+              </a:rPr>
+              <a:t>(</a:t>
+            </a:r>
+            <a:r>
+              <a:rPr lang="en-ID" sz="1400" dirty="0">
+                <a:sym typeface="Wingdings" panose="05000000000000000000" pitchFamily="2" charset="2"/>
+                <a:hlinkClick r:id="rId3"/>
+              </a:rPr>
+              <a:t>http://</a:t>
+            </a:r>
+            <a:r>
+              <a:rPr lang="en-ID" sz="1400" dirty="0" smtClean="0">
+                <a:sym typeface="Wingdings" panose="05000000000000000000" pitchFamily="2" charset="2"/>
+                <a:hlinkClick r:id="rId3"/>
+              </a:rPr>
+              <a:t>docs.aws.amazon.com/cli/latest/userguide/installing.html</a:t>
+            </a:r>
+            <a:r>
+              <a:rPr lang="en-ID" sz="1400" dirty="0" smtClean="0">
+                <a:sym typeface="Wingdings" panose="05000000000000000000" pitchFamily="2" charset="2"/>
+              </a:rPr>
+              <a:t>) </a:t>
+            </a:r>
+            <a:endParaRPr lang="en-ID" sz="1400" dirty="0" smtClean="0">
+              <a:sym typeface="Wingdings" panose="05000000000000000000" pitchFamily="2" charset="2"/>
+            </a:endParaRPr>
+          </a:p>
+          <a:p>
+            <a:pPr marL="285750" indent="-285750">
+              <a:buFont typeface="Arial" panose="020B0604020202020204" pitchFamily="34" charset="0"/>
+              <a:buChar char="•"/>
+            </a:pPr>
+            <a:r>
+              <a:rPr lang="en-ID" dirty="0" smtClean="0">
+                <a:sym typeface="Wingdings" panose="05000000000000000000" pitchFamily="2" charset="2"/>
+              </a:rPr>
+              <a:t>GIT</a:t>
+            </a:r>
+          </a:p>
+          <a:p>
+            <a:pPr marL="285750" indent="-285750">
+              <a:buFont typeface="Arial" panose="020B0604020202020204" pitchFamily="34" charset="0"/>
+              <a:buChar char="•"/>
+            </a:pPr>
+            <a:r>
+              <a:rPr lang="en-ID" dirty="0" smtClean="0">
+                <a:sym typeface="Wingdings" panose="05000000000000000000" pitchFamily="2" charset="2"/>
+              </a:rPr>
+              <a:t>AWS </a:t>
+            </a:r>
+          </a:p>
+          <a:p>
+            <a:pPr marL="285750" indent="-285750">
+              <a:buFont typeface="Arial" panose="020B0604020202020204" pitchFamily="34" charset="0"/>
+              <a:buChar char="•"/>
+            </a:pPr>
+            <a:endParaRPr lang="en-ID" dirty="0" smtClean="0"/>
+          </a:p>
+          <a:p>
+            <a:endParaRPr lang="en-US" dirty="0"/>
+          </a:p>
+        </p:txBody>
+      </p:sp>
+      <p:sp>
+        <p:nvSpPr>
+          <p:cNvPr id="7" name="TextBox 6"/>
           <p:cNvSpPr txBox="1"/>
           <p:nvPr/>
         </p:nvSpPr>
@@ -4635,25 +4927,7 @@
                 </a:solidFill>
                 <a:latin typeface="Bookman Old Style" panose="02050604050505020204" pitchFamily="18" charset="0"/>
               </a:rPr>
-              <a:t>CDC – </a:t>
-            </a:r>
-            <a:r>
-              <a:rPr lang="en-ID" b="1" dirty="0">
-                <a:solidFill>
-                  <a:srgbClr val="392900"/>
-                </a:solidFill>
-                <a:latin typeface="Bookman Old Style" panose="02050604050505020204" pitchFamily="18" charset="0"/>
-              </a:rPr>
-              <a:t>Deploying to AWS/ </a:t>
-            </a:r>
-            <a:r>
-              <a:rPr lang="en-ID" b="1" dirty="0" smtClean="0">
-                <a:solidFill>
-                  <a:srgbClr val="392900"/>
-                </a:solidFill>
-                <a:latin typeface="Bookman Old Style" panose="02050604050505020204" pitchFamily="18" charset="0"/>
-              </a:rPr>
-              <a:t>Introduction</a:t>
+              <a:t>CDC – Deploying to AWS</a:t>
             </a:r>
             <a:endParaRPr lang="en-US" b="1" dirty="0">
               <a:solidFill>
@@ -4664,132 +4938,16 @@
           </a:p>
         </p:txBody>
       </p:sp>
-      <p:sp>
-        <p:nvSpPr>
-          <p:cNvPr id="2" name="Rectangle 1"/>
-          <p:cNvSpPr/>
-          <p:nvPr/>
-        </p:nvSpPr>
-        <p:spPr>
-          <a:xfrm>
-            <a:off x="327170" y="4083918"/>
-            <a:ext cx="6197105" cy="369332"/>
-          </a:xfrm>
-          <a:prstGeom prst="rect">
-            <a:avLst/>
-          </a:prstGeom>
-        </p:spPr>
-        <p:txBody>
-          <a:bodyPr wrap="square">
-            <a:spAutoFit/>
-          </a:bodyPr>
-          <a:lstStyle/>
-          <a:p>
-            <a:r>
-              <a:rPr lang="en-ID" dirty="0" smtClean="0"/>
-              <a:t>Using </a:t>
-            </a:r>
-            <a:r>
-              <a:rPr lang="en-ID" dirty="0" err="1" smtClean="0"/>
-              <a:t>codedeploy</a:t>
-            </a:r>
-            <a:endParaRPr lang="en-ID" dirty="0" smtClean="0">
-              <a:solidFill>
-                <a:schemeClr val="bg2">
-                  <a:lumMod val="50000"/>
-                </a:schemeClr>
-              </a:solidFill>
-            </a:endParaRPr>
-          </a:p>
-        </p:txBody>
-      </p:sp>
-      <p:sp>
-        <p:nvSpPr>
-          <p:cNvPr id="5" name="Rectangle 4"/>
-          <p:cNvSpPr/>
-          <p:nvPr/>
-        </p:nvSpPr>
-        <p:spPr>
-          <a:xfrm>
-            <a:off x="1052735" y="753056"/>
-            <a:ext cx="4752528" cy="614827"/>
-          </a:xfrm>
-          <a:prstGeom prst="rect">
-            <a:avLst/>
-          </a:prstGeom>
-          <a:solidFill>
-            <a:schemeClr val="bg1"/>
-          </a:solidFill>
-          <a:ln>
-            <a:solidFill>
-              <a:schemeClr val="bg1"/>
-            </a:solidFill>
-          </a:ln>
-        </p:spPr>
-        <p:style>
-          <a:lnRef idx="2">
-            <a:schemeClr val="accent1">
-              <a:shade val="50000"/>
-            </a:schemeClr>
-          </a:lnRef>
-          <a:fillRef idx="1">
-            <a:schemeClr val="accent1"/>
-          </a:fillRef>
-          <a:effectRef idx="0">
-            <a:schemeClr val="accent1"/>
-          </a:effectRef>
-          <a:fontRef idx="minor">
-            <a:schemeClr val="lt1"/>
-          </a:fontRef>
-        </p:style>
-        <p:txBody>
-          <a:bodyPr rtlCol="0" anchor="ctr"/>
-          <a:lstStyle/>
-          <a:p>
-            <a:pPr algn="ctr"/>
-            <a:endParaRPr lang="en-US"/>
-          </a:p>
-        </p:txBody>
-      </p:sp>
-      <p:sp>
-        <p:nvSpPr>
-          <p:cNvPr id="3" name="Rectangle 2"/>
-          <p:cNvSpPr/>
-          <p:nvPr/>
-        </p:nvSpPr>
-        <p:spPr>
-          <a:xfrm>
-            <a:off x="327170" y="795503"/>
-            <a:ext cx="5187382" cy="369332"/>
-          </a:xfrm>
-          <a:prstGeom prst="rect">
-            <a:avLst/>
-          </a:prstGeom>
-        </p:spPr>
-        <p:txBody>
-          <a:bodyPr wrap="none">
-            <a:spAutoFit/>
-          </a:bodyPr>
-          <a:lstStyle/>
-          <a:p>
-            <a:r>
-              <a:rPr lang="en-ID" b="1" dirty="0" smtClean="0"/>
-              <a:t>We want to deploy our application to AWS instances</a:t>
-            </a:r>
-            <a:endParaRPr lang="en-US" b="1" dirty="0"/>
-          </a:p>
-        </p:txBody>
-      </p:sp>
       <p:pic>
         <p:nvPicPr>
-          <p:cNvPr id="6" name="Picture 5"/>
+          <p:cNvPr id="4" name="Picture 3"/>
           <p:cNvPicPr>
             <a:picLocks noChangeAspect="1"/>
           </p:cNvPicPr>
           <p:nvPr/>
         </p:nvPicPr>
         <p:blipFill>
-          <a:blip r:embed="rId3">
+          <a:blip r:embed="rId4">
             <a:extLst>
               <a:ext uri="{28A0092B-C50C-407E-A947-70E740481C1C}">
                 <a14:useLocalDpi xmlns:a14="http://schemas.microsoft.com/office/drawing/2010/main" val="0"/>
@@ -4802,8 +4960,8 @@
         </p:blipFill>
         <p:spPr>
           <a:xfrm>
-            <a:off x="880720" y="1243550"/>
-            <a:ext cx="4924543" cy="2638148"/>
+            <a:off x="1412776" y="2067694"/>
+            <a:ext cx="3684265" cy="2111327"/>
           </a:xfrm>
           <a:prstGeom prst="rect">
             <a:avLst/>
@@ -4813,7 +4971,7 @@
     </p:spTree>
     <p:extLst>
       <p:ext uri="{BB962C8B-B14F-4D97-AF65-F5344CB8AC3E}">
-        <p14:creationId xmlns:p14="http://schemas.microsoft.com/office/powerpoint/2010/main" val="408888147"/>
+        <p14:creationId xmlns:p14="http://schemas.microsoft.com/office/powerpoint/2010/main" val="2177502961"/>
       </p:ext>
     </p:extLst>
   </p:cSld>
@@ -4849,6 +5007,247 @@
       </p:grpSpPr>
       <p:sp>
         <p:nvSpPr>
+          <p:cNvPr id="10" name="TextBox 9"/>
+          <p:cNvSpPr txBox="1"/>
+          <p:nvPr/>
+        </p:nvSpPr>
+        <p:spPr>
+          <a:xfrm>
+            <a:off x="332656" y="195486"/>
+            <a:ext cx="6192688" cy="369332"/>
+          </a:xfrm>
+          <a:prstGeom prst="rect">
+            <a:avLst/>
+          </a:prstGeom>
+          <a:noFill/>
+        </p:spPr>
+        <p:txBody>
+          <a:bodyPr wrap="square" rtlCol="0">
+            <a:spAutoFit/>
+          </a:bodyPr>
+          <a:lstStyle/>
+          <a:p>
+            <a:r>
+              <a:rPr lang="en-ID" b="1" dirty="0" smtClean="0">
+                <a:solidFill>
+                  <a:srgbClr val="392900"/>
+                </a:solidFill>
+                <a:latin typeface="Bookman Old Style" panose="02050604050505020204" pitchFamily="18" charset="0"/>
+              </a:rPr>
+              <a:t>CDC – </a:t>
+            </a:r>
+            <a:r>
+              <a:rPr lang="en-ID" b="1" dirty="0">
+                <a:solidFill>
+                  <a:srgbClr val="392900"/>
+                </a:solidFill>
+                <a:latin typeface="Bookman Old Style" panose="02050604050505020204" pitchFamily="18" charset="0"/>
+              </a:rPr>
+              <a:t>Deploying to AWS/ </a:t>
+            </a:r>
+            <a:r>
+              <a:rPr lang="en-ID" b="1" dirty="0" smtClean="0">
+                <a:solidFill>
+                  <a:srgbClr val="392900"/>
+                </a:solidFill>
+                <a:latin typeface="Bookman Old Style" panose="02050604050505020204" pitchFamily="18" charset="0"/>
+              </a:rPr>
+              <a:t>Introduction</a:t>
+            </a:r>
+            <a:endParaRPr lang="en-US" b="1" dirty="0">
+              <a:solidFill>
+                <a:srgbClr val="392900"/>
+              </a:solidFill>
+              <a:latin typeface="Bookman Old Style" panose="02050604050505020204" pitchFamily="18" charset="0"/>
+            </a:endParaRPr>
+          </a:p>
+        </p:txBody>
+      </p:sp>
+      <p:sp>
+        <p:nvSpPr>
+          <p:cNvPr id="2" name="Rectangle 1"/>
+          <p:cNvSpPr/>
+          <p:nvPr/>
+        </p:nvSpPr>
+        <p:spPr>
+          <a:xfrm>
+            <a:off x="327170" y="4083918"/>
+            <a:ext cx="6197105" cy="369332"/>
+          </a:xfrm>
+          <a:prstGeom prst="rect">
+            <a:avLst/>
+          </a:prstGeom>
+        </p:spPr>
+        <p:txBody>
+          <a:bodyPr wrap="square">
+            <a:spAutoFit/>
+          </a:bodyPr>
+          <a:lstStyle/>
+          <a:p>
+            <a:r>
+              <a:rPr lang="en-ID" dirty="0" smtClean="0"/>
+              <a:t>Using </a:t>
+            </a:r>
+            <a:r>
+              <a:rPr lang="en-ID" dirty="0" err="1" smtClean="0"/>
+              <a:t>codedeploy</a:t>
+            </a:r>
+            <a:endParaRPr lang="en-ID" dirty="0" smtClean="0">
+              <a:solidFill>
+                <a:schemeClr val="bg2">
+                  <a:lumMod val="50000"/>
+                </a:schemeClr>
+              </a:solidFill>
+            </a:endParaRPr>
+          </a:p>
+        </p:txBody>
+      </p:sp>
+      <p:sp>
+        <p:nvSpPr>
+          <p:cNvPr id="5" name="Rectangle 4"/>
+          <p:cNvSpPr/>
+          <p:nvPr/>
+        </p:nvSpPr>
+        <p:spPr>
+          <a:xfrm>
+            <a:off x="1052735" y="753056"/>
+            <a:ext cx="4752528" cy="614827"/>
+          </a:xfrm>
+          <a:prstGeom prst="rect">
+            <a:avLst/>
+          </a:prstGeom>
+          <a:solidFill>
+            <a:schemeClr val="bg1"/>
+          </a:solidFill>
+          <a:ln>
+            <a:solidFill>
+              <a:schemeClr val="bg1"/>
+            </a:solidFill>
+          </a:ln>
+        </p:spPr>
+        <p:style>
+          <a:lnRef idx="2">
+            <a:schemeClr val="accent1">
+              <a:shade val="50000"/>
+            </a:schemeClr>
+          </a:lnRef>
+          <a:fillRef idx="1">
+            <a:schemeClr val="accent1"/>
+          </a:fillRef>
+          <a:effectRef idx="0">
+            <a:schemeClr val="accent1"/>
+          </a:effectRef>
+          <a:fontRef idx="minor">
+            <a:schemeClr val="lt1"/>
+          </a:fontRef>
+        </p:style>
+        <p:txBody>
+          <a:bodyPr rtlCol="0" anchor="ctr"/>
+          <a:lstStyle/>
+          <a:p>
+            <a:pPr algn="ctr"/>
+            <a:endParaRPr lang="en-US"/>
+          </a:p>
+        </p:txBody>
+      </p:sp>
+      <p:sp>
+        <p:nvSpPr>
+          <p:cNvPr id="3" name="Rectangle 2"/>
+          <p:cNvSpPr/>
+          <p:nvPr/>
+        </p:nvSpPr>
+        <p:spPr>
+          <a:xfrm>
+            <a:off x="327170" y="795503"/>
+            <a:ext cx="5187382" cy="369332"/>
+          </a:xfrm>
+          <a:prstGeom prst="rect">
+            <a:avLst/>
+          </a:prstGeom>
+        </p:spPr>
+        <p:txBody>
+          <a:bodyPr wrap="none">
+            <a:spAutoFit/>
+          </a:bodyPr>
+          <a:lstStyle/>
+          <a:p>
+            <a:r>
+              <a:rPr lang="en-ID" b="1" dirty="0" smtClean="0"/>
+              <a:t>We want to deploy our application to AWS instances</a:t>
+            </a:r>
+            <a:endParaRPr lang="en-US" b="1" dirty="0"/>
+          </a:p>
+        </p:txBody>
+      </p:sp>
+      <p:pic>
+        <p:nvPicPr>
+          <p:cNvPr id="6" name="Picture 5"/>
+          <p:cNvPicPr>
+            <a:picLocks noChangeAspect="1"/>
+          </p:cNvPicPr>
+          <p:nvPr/>
+        </p:nvPicPr>
+        <p:blipFill>
+          <a:blip r:embed="rId3">
+            <a:extLst>
+              <a:ext uri="{28A0092B-C50C-407E-A947-70E740481C1C}">
+                <a14:useLocalDpi xmlns:a14="http://schemas.microsoft.com/office/drawing/2010/main" val="0"/>
+              </a:ext>
+            </a:extLst>
+          </a:blip>
+          <a:stretch>
+            <a:fillRect/>
+          </a:stretch>
+        </p:blipFill>
+        <p:spPr>
+          <a:xfrm>
+            <a:off x="880720" y="1243550"/>
+            <a:ext cx="4924543" cy="2638148"/>
+          </a:xfrm>
+          <a:prstGeom prst="rect">
+            <a:avLst/>
+          </a:prstGeom>
+        </p:spPr>
+      </p:pic>
+    </p:spTree>
+    <p:extLst>
+      <p:ext uri="{BB962C8B-B14F-4D97-AF65-F5344CB8AC3E}">
+        <p14:creationId xmlns:p14="http://schemas.microsoft.com/office/powerpoint/2010/main" val="408888147"/>
+      </p:ext>
+    </p:extLst>
+  </p:cSld>
+  <p:clrMapOvr>
+    <a:masterClrMapping/>
+  </p:clrMapOvr>
+  <p:timing>
+    <p:tnLst>
+      <p:par>
+        <p:cTn id="1" dur="indefinite" restart="never" nodeType="tmRoot"/>
+      </p:par>
+    </p:tnLst>
+  </p:timing>
+</p:sld>
+</file>
+
+<file path=ppt/slides/slide5.xml><?xml version="1.0" encoding="utf-8"?>
+<p:sld xmlns:a="http://schemas.openxmlformats.org/drawingml/2006/main" xmlns:r="http://schemas.openxmlformats.org/officeDocument/2006/relationships" xmlns:p="http://schemas.openxmlformats.org/presentationml/2006/main">
+  <p:cSld>
+    <p:spTree>
+      <p:nvGrpSpPr>
+        <p:cNvPr id="1" name=""/>
+        <p:cNvGrpSpPr/>
+        <p:nvPr/>
+      </p:nvGrpSpPr>
+      <p:grpSpPr>
+        <a:xfrm>
+          <a:off x="0" y="0"/>
+          <a:ext cx="0" cy="0"/>
+          <a:chOff x="0" y="0"/>
+          <a:chExt cx="0" cy="0"/>
+        </a:xfrm>
+      </p:grpSpPr>
+      <p:sp>
+        <p:nvSpPr>
           <p:cNvPr id="2" name="Title 1"/>
           <p:cNvSpPr>
             <a:spLocks noGrp="1"/>
@@ -4985,7 +5384,7 @@
 </p:sld>
 </file>
 
-<file path=ppt/slides/slide5.xml><?xml version="1.0" encoding="utf-8"?>
+<file path=ppt/slides/slide6.xml><?xml version="1.0" encoding="utf-8"?>
 <p:sld xmlns:a="http://schemas.openxmlformats.org/drawingml/2006/main" xmlns:r="http://schemas.openxmlformats.org/officeDocument/2006/relationships" xmlns:p="http://schemas.openxmlformats.org/presentationml/2006/main">
   <p:cSld>
     <p:spTree>
@@ -5175,153 +5574,6 @@
 </p:sld>
 </file>
 
-<file path=ppt/slides/slide6.xml><?xml version="1.0" encoding="utf-8"?>
-<p:sld xmlns:a="http://schemas.openxmlformats.org/drawingml/2006/main" xmlns:r="http://schemas.openxmlformats.org/officeDocument/2006/relationships" xmlns:p="http://schemas.openxmlformats.org/presentationml/2006/main">
-  <p:cSld>
-    <p:spTree>
-      <p:nvGrpSpPr>
-        <p:cNvPr id="1" name=""/>
-        <p:cNvGrpSpPr/>
-        <p:nvPr/>
-      </p:nvGrpSpPr>
-      <p:grpSpPr>
-        <a:xfrm>
-          <a:off x="0" y="0"/>
-          <a:ext cx="0" cy="0"/>
-          <a:chOff x="0" y="0"/>
-          <a:chExt cx="0" cy="0"/>
-        </a:xfrm>
-      </p:grpSpPr>
-      <p:sp>
-        <p:nvSpPr>
-          <p:cNvPr id="5" name="Title 1"/>
-          <p:cNvSpPr>
-            <a:spLocks noGrp="1"/>
-          </p:cNvSpPr>
-          <p:nvPr>
-            <p:ph type="title"/>
-          </p:nvPr>
-        </p:nvSpPr>
-        <p:spPr>
-          <a:xfrm>
-            <a:off x="260648" y="314219"/>
-            <a:ext cx="4114800" cy="425054"/>
-          </a:xfrm>
-        </p:spPr>
-        <p:txBody>
-          <a:bodyPr>
-            <a:normAutofit/>
-          </a:bodyPr>
-          <a:lstStyle/>
-          <a:p>
-            <a:r>
-              <a:rPr lang="en-US" dirty="0" err="1" smtClean="0"/>
-              <a:t>Appspec.yml</a:t>
-            </a:r>
-            <a:endParaRPr lang="en-US" dirty="0"/>
-          </a:p>
-        </p:txBody>
-      </p:sp>
-      <p:pic>
-        <p:nvPicPr>
-          <p:cNvPr id="6" name="Picture 5"/>
-          <p:cNvPicPr>
-            <a:picLocks noChangeAspect="1"/>
-          </p:cNvPicPr>
-          <p:nvPr/>
-        </p:nvPicPr>
-        <p:blipFill>
-          <a:blip r:embed="rId2"/>
-          <a:stretch>
-            <a:fillRect/>
-          </a:stretch>
-        </p:blipFill>
-        <p:spPr>
-          <a:xfrm>
-            <a:off x="260648" y="747133"/>
-            <a:ext cx="3096344" cy="3659948"/>
-          </a:xfrm>
-          <a:prstGeom prst="rect">
-            <a:avLst/>
-          </a:prstGeom>
-        </p:spPr>
-      </p:pic>
-      <p:sp>
-        <p:nvSpPr>
-          <p:cNvPr id="7" name="TextBox 6"/>
-          <p:cNvSpPr txBox="1"/>
-          <p:nvPr/>
-        </p:nvSpPr>
-        <p:spPr>
-          <a:xfrm>
-            <a:off x="3717032" y="3363838"/>
-            <a:ext cx="2503891" cy="369332"/>
-          </a:xfrm>
-          <a:prstGeom prst="rect">
-            <a:avLst/>
-          </a:prstGeom>
-          <a:noFill/>
-        </p:spPr>
-        <p:txBody>
-          <a:bodyPr wrap="none" rtlCol="0">
-            <a:spAutoFit/>
-          </a:bodyPr>
-          <a:lstStyle/>
-          <a:p>
-            <a:r>
-              <a:rPr lang="en-US" dirty="0" err="1"/>
-              <a:t>AppSpec</a:t>
-            </a:r>
-            <a:r>
-              <a:rPr lang="en-US" dirty="0"/>
-              <a:t> 'hooks' Section</a:t>
-            </a:r>
-          </a:p>
-        </p:txBody>
-      </p:sp>
-      <p:sp>
-        <p:nvSpPr>
-          <p:cNvPr id="8" name="TextBox 7"/>
-          <p:cNvSpPr txBox="1"/>
-          <p:nvPr/>
-        </p:nvSpPr>
-        <p:spPr>
-          <a:xfrm>
-            <a:off x="3717031" y="1275606"/>
-            <a:ext cx="2134943" cy="369332"/>
-          </a:xfrm>
-          <a:prstGeom prst="rect">
-            <a:avLst/>
-          </a:prstGeom>
-          <a:noFill/>
-        </p:spPr>
-        <p:txBody>
-          <a:bodyPr wrap="none" rtlCol="0">
-            <a:spAutoFit/>
-          </a:bodyPr>
-          <a:lstStyle/>
-          <a:p>
-            <a:r>
-              <a:rPr lang="en-US" dirty="0" smtClean="0"/>
-              <a:t>What files you install</a:t>
-            </a:r>
-            <a:endParaRPr lang="en-US" dirty="0"/>
-          </a:p>
-        </p:txBody>
-      </p:sp>
-    </p:spTree>
-    <p:extLst>
-      <p:ext uri="{BB962C8B-B14F-4D97-AF65-F5344CB8AC3E}">
-        <p14:creationId xmlns:p14="http://schemas.microsoft.com/office/powerpoint/2010/main" val="567170485"/>
-      </p:ext>
-    </p:extLst>
-  </p:cSld>
-  <p:clrMapOvr>
-    <a:masterClrMapping/>
-  </p:clrMapOvr>
-</p:sld>
-</file>
-
 <file path=ppt/slides/slide7.xml><?xml version="1.0" encoding="utf-8"?>
 <p:sld xmlns:a="http://schemas.openxmlformats.org/drawingml/2006/main" xmlns:r="http://schemas.openxmlformats.org/officeDocument/2006/relationships" xmlns:p="http://schemas.openxmlformats.org/presentationml/2006/main">
   <p:cSld>
@@ -5341,7 +5593,7 @@
       </p:grpSpPr>
       <p:sp>
         <p:nvSpPr>
-          <p:cNvPr id="2" name="Title 1"/>
+          <p:cNvPr id="5" name="Title 1"/>
           <p:cNvSpPr>
             <a:spLocks noGrp="1"/>
           </p:cNvSpPr>
@@ -5351,36 +5603,8 @@
         </p:nvSpPr>
         <p:spPr>
           <a:xfrm>
-            <a:off x="260648" y="267494"/>
+            <a:off x="260648" y="314219"/>
             <a:ext cx="4114800" cy="425054"/>
-          </a:xfrm>
-        </p:spPr>
-        <p:txBody>
-          <a:bodyPr/>
-          <a:lstStyle/>
-          <a:p>
-            <a:r>
-              <a:rPr lang="en-US" dirty="0" smtClean="0"/>
-              <a:t>AWS management</a:t>
-            </a:r>
-            <a:endParaRPr lang="en-US" dirty="0"/>
-          </a:p>
-        </p:txBody>
-      </p:sp>
-      <p:sp>
-        <p:nvSpPr>
-          <p:cNvPr id="4" name="Text Placeholder 3"/>
-          <p:cNvSpPr>
-            <a:spLocks noGrp="1"/>
-          </p:cNvSpPr>
-          <p:nvPr>
-            <p:ph type="body" sz="half" idx="2"/>
-          </p:nvPr>
-        </p:nvSpPr>
-        <p:spPr>
-          <a:xfrm>
-            <a:off x="260648" y="843559"/>
-            <a:ext cx="5112568" cy="3600400"/>
           </a:xfrm>
         </p:spPr>
         <p:txBody>
@@ -5389,96 +5613,105 @@
           </a:bodyPr>
           <a:lstStyle/>
           <a:p>
-            <a:pPr marL="171450" indent="-171450">
-              <a:buFont typeface="Arial" panose="020B0604020202020204" pitchFamily="34" charset="0"/>
-              <a:buChar char="•"/>
-            </a:pPr>
-            <a:r>
-              <a:rPr lang="en-US" sz="1200" dirty="0" smtClean="0"/>
-              <a:t>Create IAM Role</a:t>
-            </a:r>
-          </a:p>
-          <a:p>
-            <a:pPr marL="171450" indent="-171450">
-              <a:buFont typeface="Arial" panose="020B0604020202020204" pitchFamily="34" charset="0"/>
-              <a:buChar char="•"/>
-            </a:pPr>
-            <a:r>
-              <a:rPr lang="en-US" sz="1200" dirty="0" smtClean="0"/>
-              <a:t>Create instance with this IAM role attached</a:t>
-            </a:r>
-          </a:p>
-          <a:p>
-            <a:pPr marL="171450" indent="-171450">
-              <a:buFont typeface="Arial" panose="020B0604020202020204" pitchFamily="34" charset="0"/>
-              <a:buChar char="•"/>
-            </a:pPr>
-            <a:r>
-              <a:rPr lang="en-US" sz="1200" dirty="0" smtClean="0"/>
-              <a:t>Create S3 bucket</a:t>
-            </a:r>
-          </a:p>
-          <a:p>
-            <a:pPr marL="171450" indent="-171450">
-              <a:buFont typeface="Arial" panose="020B0604020202020204" pitchFamily="34" charset="0"/>
-              <a:buChar char="•"/>
-            </a:pPr>
-            <a:r>
-              <a:rPr lang="en-US" sz="1200" dirty="0" smtClean="0"/>
-              <a:t>Create </a:t>
-            </a:r>
-            <a:r>
-              <a:rPr lang="en-US" sz="1200" dirty="0" err="1" smtClean="0"/>
-              <a:t>Codedeploy</a:t>
-            </a:r>
-            <a:r>
-              <a:rPr lang="en-US" sz="1200" dirty="0"/>
-              <a:t> Application </a:t>
-            </a:r>
-            <a:r>
-              <a:rPr lang="en-US" sz="1200" dirty="0" smtClean="0"/>
-              <a:t/>
-            </a:r>
-            <a:br>
-              <a:rPr lang="en-US" sz="1200" dirty="0" smtClean="0"/>
-            </a:br>
-            <a:r>
-              <a:rPr lang="en-US" sz="1200" dirty="0" smtClean="0">
-                <a:hlinkClick r:id="rId3"/>
-              </a:rPr>
-              <a:t>https</a:t>
-            </a:r>
-            <a:r>
-              <a:rPr lang="en-US" sz="1200" dirty="0">
-                <a:hlinkClick r:id="rId3"/>
-              </a:rPr>
-              <a:t>://ap-southeast-1.console.aws.amazon.com/codedeploy/home?region=ap-southeast-1#/</a:t>
-            </a:r>
-            <a:r>
-              <a:rPr lang="en-US" sz="1200" dirty="0" smtClean="0">
-                <a:hlinkClick r:id="rId3"/>
-              </a:rPr>
-              <a:t>applications</a:t>
-            </a:r>
-            <a:endParaRPr lang="en-US" sz="1200" dirty="0" smtClean="0"/>
-          </a:p>
-          <a:p>
-            <a:pPr marL="171450" indent="-171450">
-              <a:buFont typeface="Arial" panose="020B0604020202020204" pitchFamily="34" charset="0"/>
-              <a:buChar char="•"/>
-            </a:pPr>
-            <a:r>
-              <a:rPr lang="en-US" sz="1200" dirty="0" smtClean="0"/>
-              <a:t>Create Deployment group</a:t>
-            </a:r>
-            <a:endParaRPr lang="en-US" sz="1200" dirty="0"/>
+            <a:r>
+              <a:rPr lang="en-US" dirty="0" err="1" smtClean="0"/>
+              <a:t>Appspec.yml</a:t>
+            </a:r>
+            <a:endParaRPr lang="en-US" dirty="0"/>
+          </a:p>
+        </p:txBody>
+      </p:sp>
+      <p:pic>
+        <p:nvPicPr>
+          <p:cNvPr id="6" name="Picture 5"/>
+          <p:cNvPicPr>
+            <a:picLocks noChangeAspect="1"/>
+          </p:cNvPicPr>
+          <p:nvPr/>
+        </p:nvPicPr>
+        <p:blipFill>
+          <a:blip r:embed="rId2"/>
+          <a:stretch>
+            <a:fillRect/>
+          </a:stretch>
+        </p:blipFill>
+        <p:spPr>
+          <a:xfrm>
+            <a:off x="260648" y="747133"/>
+            <a:ext cx="3096344" cy="3659948"/>
+          </a:xfrm>
+          <a:prstGeom prst="rect">
+            <a:avLst/>
+          </a:prstGeom>
+        </p:spPr>
+      </p:pic>
+      <p:sp>
+        <p:nvSpPr>
+          <p:cNvPr id="7" name="TextBox 6"/>
+          <p:cNvSpPr txBox="1"/>
+          <p:nvPr/>
+        </p:nvSpPr>
+        <p:spPr>
+          <a:xfrm>
+            <a:off x="3717032" y="3363838"/>
+            <a:ext cx="2503891" cy="369332"/>
+          </a:xfrm>
+          <a:prstGeom prst="rect">
+            <a:avLst/>
+          </a:prstGeom>
+          <a:noFill/>
+        </p:spPr>
+        <p:txBody>
+          <a:bodyPr wrap="none" rtlCol="0">
+            <a:spAutoFit/>
+          </a:bodyPr>
+          <a:lstStyle/>
+          <a:p>
+            <a:r>
+              <a:rPr lang="en-US" dirty="0" err="1"/>
+              <a:t>AppSpec</a:t>
+            </a:r>
+            <a:r>
+              <a:rPr lang="en-US" dirty="0"/>
+              <a:t> 'hooks' Section</a:t>
+            </a:r>
+          </a:p>
+        </p:txBody>
+      </p:sp>
+      <p:sp>
+        <p:nvSpPr>
+          <p:cNvPr id="8" name="TextBox 7"/>
+          <p:cNvSpPr txBox="1"/>
+          <p:nvPr/>
+        </p:nvSpPr>
+        <p:spPr>
+          <a:xfrm>
+            <a:off x="3717031" y="1275606"/>
+            <a:ext cx="2134943" cy="369332"/>
+          </a:xfrm>
+          <a:prstGeom prst="rect">
+            <a:avLst/>
+          </a:prstGeom>
+          <a:noFill/>
+        </p:spPr>
+        <p:txBody>
+          <a:bodyPr wrap="none" rtlCol="0">
+            <a:spAutoFit/>
+          </a:bodyPr>
+          <a:lstStyle/>
+          <a:p>
+            <a:r>
+              <a:rPr lang="en-US" dirty="0" smtClean="0"/>
+              <a:t>What files you install</a:t>
+            </a:r>
+            <a:endParaRPr lang="en-US" dirty="0"/>
           </a:p>
         </p:txBody>
       </p:sp>
     </p:spTree>
     <p:extLst>
       <p:ext uri="{BB962C8B-B14F-4D97-AF65-F5344CB8AC3E}">
-        <p14:creationId xmlns:p14="http://schemas.microsoft.com/office/powerpoint/2010/main" val="2252990035"/>
+        <p14:creationId xmlns:p14="http://schemas.microsoft.com/office/powerpoint/2010/main" val="567170485"/>
       </p:ext>
     </p:extLst>
   </p:cSld>
@@ -5527,40 +5760,124 @@
           <a:p>
             <a:r>
               <a:rPr lang="en-US" dirty="0" smtClean="0"/>
+              <a:t>AWS management</a:t>
+            </a:r>
+            <a:endParaRPr lang="en-US" dirty="0"/>
+          </a:p>
+        </p:txBody>
+      </p:sp>
+      <p:sp>
+        <p:nvSpPr>
+          <p:cNvPr id="4" name="Text Placeholder 3"/>
+          <p:cNvSpPr>
+            <a:spLocks noGrp="1"/>
+          </p:cNvSpPr>
+          <p:nvPr>
+            <p:ph type="body" sz="half" idx="2"/>
+          </p:nvPr>
+        </p:nvSpPr>
+        <p:spPr>
+          <a:xfrm>
+            <a:off x="260648" y="843559"/>
+            <a:ext cx="5112568" cy="3600400"/>
+          </a:xfrm>
+        </p:spPr>
+        <p:txBody>
+          <a:bodyPr>
+            <a:normAutofit/>
+          </a:bodyPr>
+          <a:lstStyle/>
+          <a:p>
+            <a:pPr marL="171450" indent="-171450">
+              <a:buFont typeface="Arial" panose="020B0604020202020204" pitchFamily="34" charset="0"/>
+              <a:buChar char="•"/>
+            </a:pPr>
+            <a:r>
+              <a:rPr lang="en-US" sz="1200" dirty="0" smtClean="0"/>
+              <a:t>Create IAM Role</a:t>
+            </a:r>
+          </a:p>
+          <a:p>
+            <a:pPr marL="171450" indent="-171450">
+              <a:buFont typeface="Arial" panose="020B0604020202020204" pitchFamily="34" charset="0"/>
+              <a:buChar char="•"/>
+            </a:pPr>
+            <a:r>
+              <a:rPr lang="en-US" sz="1200" dirty="0" smtClean="0"/>
+              <a:t>Create instance with this IAM role attached</a:t>
+            </a:r>
+          </a:p>
+          <a:p>
+            <a:pPr marL="171450" indent="-171450">
+              <a:buFont typeface="Arial" panose="020B0604020202020204" pitchFamily="34" charset="0"/>
+              <a:buChar char="•"/>
+            </a:pPr>
+            <a:r>
+              <a:rPr lang="en-US" sz="1200" dirty="0" smtClean="0"/>
               <a:t>Create S3 bucket</a:t>
             </a:r>
-            <a:endParaRPr lang="en-US" dirty="0"/>
-          </a:p>
-        </p:txBody>
-      </p:sp>
-      <p:pic>
-        <p:nvPicPr>
-          <p:cNvPr id="13" name="Picture 12"/>
-          <p:cNvPicPr>
-            <a:picLocks noChangeAspect="1"/>
-          </p:cNvPicPr>
-          <p:nvPr/>
-        </p:nvPicPr>
-        <p:blipFill>
-          <a:blip r:embed="rId3"/>
-          <a:stretch>
-            <a:fillRect/>
-          </a:stretch>
-        </p:blipFill>
-        <p:spPr>
-          <a:xfrm>
-            <a:off x="620689" y="771550"/>
-            <a:ext cx="5616624" cy="3746473"/>
-          </a:xfrm>
-          <a:prstGeom prst="rect">
-            <a:avLst/>
-          </a:prstGeom>
-        </p:spPr>
-      </p:pic>
+          </a:p>
+          <a:p>
+            <a:pPr marL="171450" indent="-171450">
+              <a:buFont typeface="Arial" panose="020B0604020202020204" pitchFamily="34" charset="0"/>
+              <a:buChar char="•"/>
+            </a:pPr>
+            <a:r>
+              <a:rPr lang="en-US" sz="1200" dirty="0" smtClean="0"/>
+              <a:t>Create </a:t>
+            </a:r>
+            <a:r>
+              <a:rPr lang="en-US" sz="1200" dirty="0" err="1" smtClean="0"/>
+              <a:t>Codedeploy</a:t>
+            </a:r>
+            <a:r>
+              <a:rPr lang="en-US" sz="1200" dirty="0"/>
+              <a:t> Application </a:t>
+            </a:r>
+            <a:r>
+              <a:rPr lang="en-US" sz="1200" dirty="0" smtClean="0"/>
+              <a:t/>
+            </a:r>
+            <a:br>
+              <a:rPr lang="en-US" sz="1200" dirty="0" smtClean="0"/>
+            </a:br>
+            <a:r>
+              <a:rPr lang="en-US" sz="1200" dirty="0" smtClean="0">
+                <a:hlinkClick r:id="rId3"/>
+              </a:rPr>
+              <a:t>https</a:t>
+            </a:r>
+            <a:r>
+              <a:rPr lang="en-US" sz="1200" dirty="0">
+                <a:hlinkClick r:id="rId3"/>
+              </a:rPr>
+              <a:t>://ap-southeast-1.console.aws.amazon.com/codedeploy/home?region=ap-southeast-1#/</a:t>
+            </a:r>
+            <a:r>
+              <a:rPr lang="en-US" sz="1200" dirty="0" smtClean="0">
+                <a:hlinkClick r:id="rId3"/>
+              </a:rPr>
+              <a:t>applications</a:t>
+            </a:r>
+            <a:endParaRPr lang="en-US" sz="1200" dirty="0" smtClean="0"/>
+          </a:p>
+          <a:p>
+            <a:pPr marL="171450" indent="-171450">
+              <a:buFont typeface="Arial" panose="020B0604020202020204" pitchFamily="34" charset="0"/>
+              <a:buChar char="•"/>
+            </a:pPr>
+            <a:r>
+              <a:rPr lang="en-US" sz="1200" dirty="0" smtClean="0"/>
+              <a:t>Create Deployment group</a:t>
+            </a:r>
+            <a:endParaRPr lang="en-US" sz="1200" dirty="0"/>
+          </a:p>
+        </p:txBody>
+      </p:sp>
     </p:spTree>
     <p:extLst>
       <p:ext uri="{BB962C8B-B14F-4D97-AF65-F5344CB8AC3E}">
-        <p14:creationId xmlns:p14="http://schemas.microsoft.com/office/powerpoint/2010/main" val="779159867"/>
+        <p14:creationId xmlns:p14="http://schemas.microsoft.com/office/powerpoint/2010/main" val="2252990035"/>
       </p:ext>
     </p:extLst>
   </p:cSld>
@@ -5609,7 +5926,7 @@
           <a:p>
             <a:r>
               <a:rPr lang="en-US" dirty="0" smtClean="0"/>
-              <a:t>Preparing Instance</a:t>
+              <a:t>Create S3 bucket</a:t>
             </a:r>
             <a:endParaRPr lang="en-US" dirty="0"/>
           </a:p>
@@ -5617,7 +5934,7 @@
       </p:sp>
       <p:pic>
         <p:nvPicPr>
-          <p:cNvPr id="9" name="Picture 8"/>
+          <p:cNvPr id="13" name="Picture 12"/>
           <p:cNvPicPr>
             <a:picLocks noChangeAspect="1"/>
           </p:cNvPicPr>
@@ -5631,103 +5948,18 @@
         </p:blipFill>
         <p:spPr>
           <a:xfrm>
-            <a:off x="404664" y="843558"/>
-            <a:ext cx="6234704" cy="3096344"/>
+            <a:off x="620689" y="771550"/>
+            <a:ext cx="5616624" cy="3746473"/>
           </a:xfrm>
           <a:prstGeom prst="rect">
             <a:avLst/>
           </a:prstGeom>
         </p:spPr>
       </p:pic>
-      <p:sp>
-        <p:nvSpPr>
-          <p:cNvPr id="11" name="Oval 10"/>
-          <p:cNvSpPr/>
-          <p:nvPr/>
-        </p:nvSpPr>
-        <p:spPr>
-          <a:xfrm>
-            <a:off x="1196752" y="2499742"/>
-            <a:ext cx="2880320" cy="432048"/>
-          </a:xfrm>
-          <a:prstGeom prst="ellipse">
-            <a:avLst/>
-          </a:prstGeom>
-          <a:noFill/>
-        </p:spPr>
-        <p:style>
-          <a:lnRef idx="2">
-            <a:schemeClr val="accent6"/>
-          </a:lnRef>
-          <a:fillRef idx="1">
-            <a:schemeClr val="lt1"/>
-          </a:fillRef>
-          <a:effectRef idx="0">
-            <a:schemeClr val="accent6"/>
-          </a:effectRef>
-          <a:fontRef idx="minor">
-            <a:schemeClr val="dk1"/>
-          </a:fontRef>
-        </p:style>
-        <p:txBody>
-          <a:bodyPr rtlCol="0" anchor="ctr"/>
-          <a:lstStyle/>
-          <a:p>
-            <a:pPr algn="ctr"/>
-            <a:endParaRPr lang="en-US"/>
-          </a:p>
-        </p:txBody>
-      </p:sp>
-      <p:sp>
-        <p:nvSpPr>
-          <p:cNvPr id="3" name="TextBox 2"/>
-          <p:cNvSpPr txBox="1"/>
-          <p:nvPr/>
-        </p:nvSpPr>
-        <p:spPr>
-          <a:xfrm>
-            <a:off x="260648" y="3941643"/>
-            <a:ext cx="6407927" cy="646331"/>
-          </a:xfrm>
-          <a:prstGeom prst="rect">
-            <a:avLst/>
-          </a:prstGeom>
-          <a:noFill/>
-        </p:spPr>
-        <p:txBody>
-          <a:bodyPr wrap="square" rtlCol="0">
-            <a:spAutoFit/>
-          </a:bodyPr>
-          <a:lstStyle/>
-          <a:p>
-            <a:r>
-              <a:rPr lang="en-US" dirty="0" smtClean="0"/>
-              <a:t>After the instance is </a:t>
-            </a:r>
-            <a:r>
-              <a:rPr lang="en-US" dirty="0" err="1" smtClean="0"/>
-              <a:t>cretead</a:t>
-            </a:r>
-            <a:r>
-              <a:rPr lang="en-US" dirty="0" smtClean="0"/>
-              <a:t>, the you need to install AWS </a:t>
-            </a:r>
-            <a:r>
-              <a:rPr lang="en-US" dirty="0" err="1" smtClean="0"/>
-              <a:t>Codedeploy</a:t>
-            </a:r>
-            <a:r>
-              <a:rPr lang="en-US" dirty="0" smtClean="0"/>
-              <a:t> agent</a:t>
-            </a:r>
-            <a:endParaRPr lang="en-US" dirty="0"/>
-          </a:p>
-        </p:txBody>
-      </p:sp>
     </p:spTree>
     <p:extLst>
       <p:ext uri="{BB962C8B-B14F-4D97-AF65-F5344CB8AC3E}">
-        <p14:creationId xmlns:p14="http://schemas.microsoft.com/office/powerpoint/2010/main" val="2527282062"/>
+        <p14:creationId xmlns:p14="http://schemas.microsoft.com/office/powerpoint/2010/main" val="779159867"/>
       </p:ext>
     </p:extLst>
   </p:cSld>
